--- a/Presentations/L1_Introduction_to_Aquatic_Algorithms.pptx
+++ b/Presentations/L1_Introduction_to_Aquatic_Algorithms.pptx
@@ -5,29 +5,30 @@
     <p:sldMasterId id="2147483648" r:id="rId1"/>
   </p:sldMasterIdLst>
   <p:notesMasterIdLst>
-    <p:notesMasterId r:id="rId22"/>
+    <p:notesMasterId r:id="rId23"/>
   </p:notesMasterIdLst>
   <p:sldIdLst>
     <p:sldId id="256" r:id="rId2"/>
     <p:sldId id="257" r:id="rId3"/>
     <p:sldId id="261" r:id="rId4"/>
-    <p:sldId id="278" r:id="rId5"/>
-    <p:sldId id="282" r:id="rId6"/>
-    <p:sldId id="281" r:id="rId7"/>
-    <p:sldId id="280" r:id="rId8"/>
-    <p:sldId id="279" r:id="rId9"/>
-    <p:sldId id="276" r:id="rId10"/>
-    <p:sldId id="262" r:id="rId11"/>
-    <p:sldId id="266" r:id="rId12"/>
-    <p:sldId id="267" r:id="rId13"/>
-    <p:sldId id="268" r:id="rId14"/>
-    <p:sldId id="269" r:id="rId15"/>
-    <p:sldId id="272" r:id="rId16"/>
-    <p:sldId id="271" r:id="rId17"/>
-    <p:sldId id="273" r:id="rId18"/>
-    <p:sldId id="263" r:id="rId19"/>
-    <p:sldId id="274" r:id="rId20"/>
-    <p:sldId id="260" r:id="rId21"/>
+    <p:sldId id="283" r:id="rId5"/>
+    <p:sldId id="278" r:id="rId6"/>
+    <p:sldId id="282" r:id="rId7"/>
+    <p:sldId id="281" r:id="rId8"/>
+    <p:sldId id="280" r:id="rId9"/>
+    <p:sldId id="279" r:id="rId10"/>
+    <p:sldId id="276" r:id="rId11"/>
+    <p:sldId id="262" r:id="rId12"/>
+    <p:sldId id="266" r:id="rId13"/>
+    <p:sldId id="267" r:id="rId14"/>
+    <p:sldId id="268" r:id="rId15"/>
+    <p:sldId id="269" r:id="rId16"/>
+    <p:sldId id="272" r:id="rId17"/>
+    <p:sldId id="271" r:id="rId18"/>
+    <p:sldId id="273" r:id="rId19"/>
+    <p:sldId id="263" r:id="rId20"/>
+    <p:sldId id="274" r:id="rId21"/>
+    <p:sldId id="260" r:id="rId22"/>
   </p:sldIdLst>
   <p:sldSz cx="12192000" cy="6858000"/>
   <p:notesSz cx="6858000" cy="9144000"/>
@@ -219,7 +220,7 @@
           <a:p>
             <a:fld id="{84E12D02-632A-4EBE-8020-E518FC6BAE28}" type="datetimeFigureOut">
               <a:rPr lang="en-US" smtClean="0"/>
-              <a:t>7/24/2023</a:t>
+              <a:t>8/13/2024</a:t>
             </a:fld>
             <a:endParaRPr lang="en-US"/>
           </a:p>
@@ -635,7 +636,7 @@
           <a:p>
             <a:fld id="{143D882F-1D72-46F2-9EB0-850463A10139}" type="datetime1">
               <a:rPr lang="en-US" smtClean="0"/>
-              <a:t>7/24/2023</a:t>
+              <a:t>8/13/2024</a:t>
             </a:fld>
             <a:endParaRPr lang="en-US"/>
           </a:p>
@@ -880,7 +881,7 @@
           <a:p>
             <a:fld id="{C99BEA29-6CBC-4C97-82EB-30FE78181869}" type="datetime1">
               <a:rPr lang="en-US" smtClean="0"/>
-              <a:t>7/24/2023</a:t>
+              <a:t>8/13/2024</a:t>
             </a:fld>
             <a:endParaRPr lang="en-US"/>
           </a:p>
@@ -1088,7 +1089,7 @@
           <a:p>
             <a:fld id="{886B382A-C181-4A7D-858E-96D5048F2204}" type="datetime1">
               <a:rPr lang="en-US" smtClean="0"/>
-              <a:t>7/24/2023</a:t>
+              <a:t>8/13/2024</a:t>
             </a:fld>
             <a:endParaRPr lang="en-US"/>
           </a:p>
@@ -1306,7 +1307,7 @@
           <a:p>
             <a:fld id="{9C7668B2-5781-4B06-962E-08217EE42682}" type="datetime1">
               <a:rPr lang="en-US" smtClean="0"/>
-              <a:t>7/24/2023</a:t>
+              <a:t>8/13/2024</a:t>
             </a:fld>
             <a:endParaRPr lang="en-US"/>
           </a:p>
@@ -1581,7 +1582,7 @@
           <a:p>
             <a:fld id="{DD674303-D18E-4F2E-B24F-113F4BBB8710}" type="datetime1">
               <a:rPr lang="en-US" smtClean="0"/>
-              <a:t>7/24/2023</a:t>
+              <a:t>8/13/2024</a:t>
             </a:fld>
             <a:endParaRPr lang="en-US"/>
           </a:p>
@@ -1846,7 +1847,7 @@
           <a:p>
             <a:fld id="{B353DDE1-9762-4919-8256-D148A4195109}" type="datetime1">
               <a:rPr lang="en-US" smtClean="0"/>
-              <a:t>7/24/2023</a:t>
+              <a:t>8/13/2024</a:t>
             </a:fld>
             <a:endParaRPr lang="en-US"/>
           </a:p>
@@ -2258,7 +2259,7 @@
           <a:p>
             <a:fld id="{12124517-4A97-4CFB-8CB2-650C8E9E8654}" type="datetime1">
               <a:rPr lang="en-US" smtClean="0"/>
-              <a:t>7/24/2023</a:t>
+              <a:t>8/13/2024</a:t>
             </a:fld>
             <a:endParaRPr lang="en-US"/>
           </a:p>
@@ -2399,7 +2400,7 @@
           <a:p>
             <a:fld id="{E3A68F26-2770-4F3C-9650-1407653483F7}" type="datetime1">
               <a:rPr lang="en-US" smtClean="0"/>
-              <a:t>7/24/2023</a:t>
+              <a:t>8/13/2024</a:t>
             </a:fld>
             <a:endParaRPr lang="en-US"/>
           </a:p>
@@ -2512,7 +2513,7 @@
           <a:p>
             <a:fld id="{4C0A7B09-0683-4CA0-B58A-F8D982047C6D}" type="datetime1">
               <a:rPr lang="en-US" smtClean="0"/>
-              <a:t>7/24/2023</a:t>
+              <a:t>8/13/2024</a:t>
             </a:fld>
             <a:endParaRPr lang="en-US"/>
           </a:p>
@@ -2823,7 +2824,7 @@
           <a:p>
             <a:fld id="{856EABA8-59BA-44EE-B3E8-AE6C4627B485}" type="datetime1">
               <a:rPr lang="en-US" smtClean="0"/>
-              <a:t>7/24/2023</a:t>
+              <a:t>8/13/2024</a:t>
             </a:fld>
             <a:endParaRPr lang="en-US"/>
           </a:p>
@@ -3111,7 +3112,7 @@
           <a:p>
             <a:fld id="{FD4825C8-6015-4388-8FAB-B9352EBBC4F4}" type="datetime1">
               <a:rPr lang="en-US" smtClean="0"/>
-              <a:t>7/24/2023</a:t>
+              <a:t>8/13/2024</a:t>
             </a:fld>
             <a:endParaRPr lang="en-US"/>
           </a:p>
@@ -3352,7 +3353,7 @@
           <a:p>
             <a:fld id="{F1971386-AE86-4DCB-832B-4D757DFF8356}" type="datetime1">
               <a:rPr lang="en-US" smtClean="0"/>
-              <a:t>7/24/2023</a:t>
+              <a:t>8/13/2024</a:t>
             </a:fld>
             <a:endParaRPr lang="en-US"/>
           </a:p>
@@ -4110,7 +4111,14 @@
             <a:pPr algn="l"/>
             <a:r>
               <a:rPr lang="en-US" dirty="0"/>
-              <a:t>STEP-UP Internship Program Summer 2023</a:t>
+              <a:t>STEP-UP Internship Program </a:t>
+            </a:r>
+          </a:p>
+          <a:p>
+            <a:pPr algn="l"/>
+            <a:r>
+              <a:rPr lang="en-US" dirty="0"/>
+              <a:t>Summer 2024</a:t>
             </a:r>
           </a:p>
           <a:p>
@@ -4120,13 +4128,6 @@
               <a:t>Day 1</a:t>
             </a:r>
           </a:p>
-          <a:p>
-            <a:pPr algn="l"/>
-            <a:r>
-              <a:rPr lang="en-US" dirty="0"/>
-              <a:t>July 24, 2023</a:t>
-            </a:r>
-          </a:p>
         </p:txBody>
       </p:sp>
       <p:sp>
@@ -4152,7 +4153,7 @@
           <a:p>
             <a:fld id="{BF81C006-0A15-474C-9868-6BBB37ECF433}" type="datetime1">
               <a:rPr lang="en-US" smtClean="0"/>
-              <a:t>7/24/2023</a:t>
+              <a:t>8/13/2024</a:t>
             </a:fld>
             <a:endParaRPr lang="en-US"/>
           </a:p>
@@ -4356,7 +4357,7 @@
               <a:rPr lang="en-US" dirty="0">
                 <a:latin typeface="+mn-lt"/>
               </a:rPr>
-              <a:t>GitHub</a:t>
+              <a:t>Schedule</a:t>
             </a:r>
           </a:p>
         </p:txBody>
@@ -4549,7 +4550,7 @@
           <a:p>
             <a:fld id="{44EB54D8-FB95-4977-A6B0-357A988F9391}" type="datetime1">
               <a:rPr lang="en-US" smtClean="0"/>
-              <a:t>7/24/2023</a:t>
+              <a:t>8/13/2024</a:t>
             </a:fld>
             <a:endParaRPr lang="en-US"/>
           </a:p>
@@ -4611,10 +4612,10 @@
       </p:sp>
       <p:sp>
         <p:nvSpPr>
-          <p:cNvPr id="18" name="TextBox 17">
-            <a:extLst>
-              <a:ext uri="{FF2B5EF4-FFF2-40B4-BE49-F238E27FC236}">
-                <a16:creationId xmlns:a16="http://schemas.microsoft.com/office/drawing/2014/main" id="{A4C864FF-1663-690E-D18A-DE8BBC9CB6C9}"/>
+          <p:cNvPr id="8" name="TextBox 7">
+            <a:extLst>
+              <a:ext uri="{FF2B5EF4-FFF2-40B4-BE49-F238E27FC236}">
+                <a16:creationId xmlns:a16="http://schemas.microsoft.com/office/drawing/2014/main" id="{D030EF51-72C2-D9A1-1D88-318994C0A959}"/>
               </a:ext>
             </a:extLst>
           </p:cNvPr>
@@ -4623,8 +4624,8 @@
         </p:nvSpPr>
         <p:spPr>
           <a:xfrm>
-            <a:off x="1609344" y="2639933"/>
-            <a:ext cx="9253727" cy="830997"/>
+            <a:off x="838200" y="1353602"/>
+            <a:ext cx="10773887" cy="4420890"/>
           </a:xfrm>
           <a:prstGeom prst="rect">
             <a:avLst/>
@@ -4632,120 +4633,84 @@
           <a:noFill/>
         </p:spPr>
         <p:txBody>
-          <a:bodyPr wrap="square">
-            <a:spAutoFit/>
-          </a:bodyPr>
-          <a:lstStyle/>
-          <a:p>
-            <a:r>
-              <a:rPr lang="en-US" sz="2400" i="1" dirty="0"/>
-              <a:t>GitHub is a </a:t>
-            </a:r>
-            <a:r>
-              <a:rPr lang="en-US" sz="2400" b="1" i="1" dirty="0">
-                <a:solidFill>
-                  <a:schemeClr val="accent1">
-                    <a:lumMod val="50000"/>
-                  </a:schemeClr>
-                </a:solidFill>
-              </a:rPr>
-              <a:t>code</a:t>
-            </a:r>
-            <a:r>
-              <a:rPr lang="en-US" sz="2400" i="1" dirty="0"/>
-              <a:t> hosting platform for </a:t>
-            </a:r>
-            <a:r>
-              <a:rPr lang="en-US" sz="2400" b="1" i="1" dirty="0">
-                <a:solidFill>
-                  <a:schemeClr val="accent1">
-                    <a:lumMod val="50000"/>
-                  </a:schemeClr>
-                </a:solidFill>
-              </a:rPr>
-              <a:t>version control and collaboration</a:t>
-            </a:r>
-            <a:r>
-              <a:rPr lang="en-US" sz="2400" i="1" dirty="0"/>
-              <a:t>. It lets you and others work together on projects from anywhere.</a:t>
-            </a:r>
-          </a:p>
-        </p:txBody>
-      </p:sp>
-      <p:cxnSp>
-        <p:nvCxnSpPr>
-          <p:cNvPr id="20" name="Straight Connector 19">
-            <a:extLst>
-              <a:ext uri="{FF2B5EF4-FFF2-40B4-BE49-F238E27FC236}">
-                <a16:creationId xmlns:a16="http://schemas.microsoft.com/office/drawing/2014/main" id="{13655AFC-75DB-3E29-201C-8CF99E9436B0}"/>
-              </a:ext>
-            </a:extLst>
-          </p:cNvPr>
-          <p:cNvCxnSpPr>
-            <a:cxnSpLocks/>
-          </p:cNvCxnSpPr>
-          <p:nvPr/>
-        </p:nvCxnSpPr>
-        <p:spPr>
-          <a:xfrm>
-            <a:off x="1109472" y="2538423"/>
-            <a:ext cx="0" cy="1034018"/>
-          </a:xfrm>
-          <a:prstGeom prst="line">
-            <a:avLst/>
-          </a:prstGeom>
-          <a:ln w="57150">
-            <a:solidFill>
-              <a:srgbClr val="84C2D8"/>
-            </a:solidFill>
-          </a:ln>
-        </p:spPr>
-        <p:style>
-          <a:lnRef idx="1">
-            <a:schemeClr val="accent1"/>
-          </a:lnRef>
-          <a:fillRef idx="0">
-            <a:schemeClr val="accent1"/>
-          </a:fillRef>
-          <a:effectRef idx="0">
-            <a:schemeClr val="accent1"/>
-          </a:effectRef>
-          <a:fontRef idx="minor">
-            <a:schemeClr val="tx1"/>
-          </a:fontRef>
-        </p:style>
-      </p:cxnSp>
-      <p:sp>
-        <p:nvSpPr>
-          <p:cNvPr id="22" name="TextBox 21">
-            <a:extLst>
-              <a:ext uri="{FF2B5EF4-FFF2-40B4-BE49-F238E27FC236}">
-                <a16:creationId xmlns:a16="http://schemas.microsoft.com/office/drawing/2014/main" id="{78082114-E70E-8E11-DC88-724BCE0ADF1F}"/>
-              </a:ext>
-            </a:extLst>
-          </p:cNvPr>
-          <p:cNvSpPr txBox="1"/>
-          <p:nvPr/>
-        </p:nvSpPr>
-        <p:spPr>
-          <a:xfrm>
-            <a:off x="838200" y="1368597"/>
-            <a:ext cx="8887966" cy="523220"/>
-          </a:xfrm>
-          <a:prstGeom prst="rect">
-            <a:avLst/>
-          </a:prstGeom>
-          <a:noFill/>
-        </p:spPr>
-        <p:txBody>
           <a:bodyPr wrap="square" rtlCol="0">
             <a:spAutoFit/>
           </a:bodyPr>
           <a:lstStyle/>
           <a:p>
-            <a:r>
-              <a:rPr lang="en-US" sz="2800" dirty="0"/>
-              <a:t>What is GitHub?</a:t>
+            <a:pPr marL="342900" indent="-342900">
+              <a:lnSpc>
+                <a:spcPct val="200000"/>
+              </a:lnSpc>
+              <a:buAutoNum type="arabicPeriod"/>
+            </a:pPr>
+            <a:r>
+              <a:rPr lang="en-US" sz="2400" dirty="0"/>
+              <a:t>Overview, basic hydrology, intro to Python, and choosing a case study location.</a:t>
+            </a:r>
+          </a:p>
+          <a:p>
+            <a:pPr marL="342900" indent="-342900">
+              <a:lnSpc>
+                <a:spcPct val="200000"/>
+              </a:lnSpc>
+              <a:buAutoNum type="arabicPeriod"/>
+            </a:pPr>
+            <a:r>
+              <a:rPr lang="en-US" sz="2400" dirty="0"/>
+              <a:t>Intelligent piece of paper, what is a model, HYMOD, case study data coding</a:t>
+            </a:r>
+          </a:p>
+          <a:p>
+            <a:pPr marL="342900" indent="-342900">
+              <a:lnSpc>
+                <a:spcPct val="200000"/>
+              </a:lnSpc>
+              <a:buAutoNum type="arabicPeriod"/>
+            </a:pPr>
+            <a:r>
+              <a:rPr lang="en-US" sz="2400" dirty="0" err="1"/>
+              <a:t>Sierpinski</a:t>
+            </a:r>
+            <a:r>
+              <a:rPr lang="en-US" sz="2400" dirty="0"/>
+              <a:t> triangle activity, Into probability and stats, drought detection coding</a:t>
+            </a:r>
+          </a:p>
+          <a:p>
+            <a:pPr marL="342900" indent="-342900">
+              <a:lnSpc>
+                <a:spcPct val="200000"/>
+              </a:lnSpc>
+              <a:buAutoNum type="arabicPeriod"/>
+            </a:pPr>
+            <a:r>
+              <a:rPr lang="en-US" sz="2400" dirty="0"/>
+              <a:t>Modeling basics, case study background research</a:t>
+            </a:r>
+          </a:p>
+          <a:p>
+            <a:pPr marL="342900" indent="-342900">
+              <a:lnSpc>
+                <a:spcPct val="200000"/>
+              </a:lnSpc>
+              <a:buAutoNum type="arabicPeriod"/>
+            </a:pPr>
+            <a:r>
+              <a:rPr lang="en-US" sz="2400" dirty="0"/>
+              <a:t>Future of water resource planning, begin presentations, plotting</a:t>
+            </a:r>
+          </a:p>
+          <a:p>
+            <a:pPr marL="342900" indent="-342900">
+              <a:lnSpc>
+                <a:spcPct val="200000"/>
+              </a:lnSpc>
+              <a:buAutoNum type="arabicPeriod"/>
+            </a:pPr>
+            <a:r>
+              <a:rPr lang="en-US" sz="2400" dirty="0"/>
+              <a:t>Finish case study work, peer presentations</a:t>
             </a:r>
           </a:p>
         </p:txBody>
@@ -4753,7 +4718,7 @@
     </p:spTree>
     <p:extLst>
       <p:ext uri="{BB962C8B-B14F-4D97-AF65-F5344CB8AC3E}">
-        <p14:creationId xmlns:p14="http://schemas.microsoft.com/office/powerpoint/2010/main" val="3638758442"/>
+        <p14:creationId xmlns:p14="http://schemas.microsoft.com/office/powerpoint/2010/main" val="2267578831"/>
       </p:ext>
     </p:extLst>
   </p:cSld>
@@ -5000,7 +4965,7 @@
           <a:p>
             <a:fld id="{44EB54D8-FB95-4977-A6B0-357A988F9391}" type="datetime1">
               <a:rPr lang="en-US" smtClean="0"/>
-              <a:t>7/24/2023</a:t>
+              <a:t>8/13/2024</a:t>
             </a:fld>
             <a:endParaRPr lang="en-US"/>
           </a:p>
@@ -5055,6 +5020,457 @@
             <a:fld id="{874324C0-6F8E-414F-AEC4-5ACC97FEFF88}" type="slidenum">
               <a:rPr lang="en-US" smtClean="0"/>
               <a:t>11</a:t>
+            </a:fld>
+            <a:endParaRPr lang="en-US"/>
+          </a:p>
+        </p:txBody>
+      </p:sp>
+      <p:sp>
+        <p:nvSpPr>
+          <p:cNvPr id="18" name="TextBox 17">
+            <a:extLst>
+              <a:ext uri="{FF2B5EF4-FFF2-40B4-BE49-F238E27FC236}">
+                <a16:creationId xmlns:a16="http://schemas.microsoft.com/office/drawing/2014/main" id="{A4C864FF-1663-690E-D18A-DE8BBC9CB6C9}"/>
+              </a:ext>
+            </a:extLst>
+          </p:cNvPr>
+          <p:cNvSpPr txBox="1"/>
+          <p:nvPr/>
+        </p:nvSpPr>
+        <p:spPr>
+          <a:xfrm>
+            <a:off x="1609344" y="2639933"/>
+            <a:ext cx="9253727" cy="830997"/>
+          </a:xfrm>
+          <a:prstGeom prst="rect">
+            <a:avLst/>
+          </a:prstGeom>
+          <a:noFill/>
+        </p:spPr>
+        <p:txBody>
+          <a:bodyPr wrap="square">
+            <a:spAutoFit/>
+          </a:bodyPr>
+          <a:lstStyle/>
+          <a:p>
+            <a:r>
+              <a:rPr lang="en-US" sz="2400" i="1" dirty="0"/>
+              <a:t>GitHub is a </a:t>
+            </a:r>
+            <a:r>
+              <a:rPr lang="en-US" sz="2400" b="1" i="1" dirty="0">
+                <a:solidFill>
+                  <a:schemeClr val="accent1">
+                    <a:lumMod val="50000"/>
+                  </a:schemeClr>
+                </a:solidFill>
+              </a:rPr>
+              <a:t>code</a:t>
+            </a:r>
+            <a:r>
+              <a:rPr lang="en-US" sz="2400" i="1" dirty="0"/>
+              <a:t> hosting platform for </a:t>
+            </a:r>
+            <a:r>
+              <a:rPr lang="en-US" sz="2400" b="1" i="1" dirty="0">
+                <a:solidFill>
+                  <a:schemeClr val="accent1">
+                    <a:lumMod val="50000"/>
+                  </a:schemeClr>
+                </a:solidFill>
+              </a:rPr>
+              <a:t>version control and collaboration</a:t>
+            </a:r>
+            <a:r>
+              <a:rPr lang="en-US" sz="2400" i="1" dirty="0"/>
+              <a:t>. It lets you and others work together on projects from anywhere.</a:t>
+            </a:r>
+          </a:p>
+        </p:txBody>
+      </p:sp>
+      <p:cxnSp>
+        <p:nvCxnSpPr>
+          <p:cNvPr id="20" name="Straight Connector 19">
+            <a:extLst>
+              <a:ext uri="{FF2B5EF4-FFF2-40B4-BE49-F238E27FC236}">
+                <a16:creationId xmlns:a16="http://schemas.microsoft.com/office/drawing/2014/main" id="{13655AFC-75DB-3E29-201C-8CF99E9436B0}"/>
+              </a:ext>
+            </a:extLst>
+          </p:cNvPr>
+          <p:cNvCxnSpPr>
+            <a:cxnSpLocks/>
+          </p:cNvCxnSpPr>
+          <p:nvPr/>
+        </p:nvCxnSpPr>
+        <p:spPr>
+          <a:xfrm>
+            <a:off x="1109472" y="2538423"/>
+            <a:ext cx="0" cy="1034018"/>
+          </a:xfrm>
+          <a:prstGeom prst="line">
+            <a:avLst/>
+          </a:prstGeom>
+          <a:ln w="57150">
+            <a:solidFill>
+              <a:srgbClr val="84C2D8"/>
+            </a:solidFill>
+          </a:ln>
+        </p:spPr>
+        <p:style>
+          <a:lnRef idx="1">
+            <a:schemeClr val="accent1"/>
+          </a:lnRef>
+          <a:fillRef idx="0">
+            <a:schemeClr val="accent1"/>
+          </a:fillRef>
+          <a:effectRef idx="0">
+            <a:schemeClr val="accent1"/>
+          </a:effectRef>
+          <a:fontRef idx="minor">
+            <a:schemeClr val="tx1"/>
+          </a:fontRef>
+        </p:style>
+      </p:cxnSp>
+      <p:sp>
+        <p:nvSpPr>
+          <p:cNvPr id="22" name="TextBox 21">
+            <a:extLst>
+              <a:ext uri="{FF2B5EF4-FFF2-40B4-BE49-F238E27FC236}">
+                <a16:creationId xmlns:a16="http://schemas.microsoft.com/office/drawing/2014/main" id="{78082114-E70E-8E11-DC88-724BCE0ADF1F}"/>
+              </a:ext>
+            </a:extLst>
+          </p:cNvPr>
+          <p:cNvSpPr txBox="1"/>
+          <p:nvPr/>
+        </p:nvSpPr>
+        <p:spPr>
+          <a:xfrm>
+            <a:off x="838200" y="1368597"/>
+            <a:ext cx="8887966" cy="523220"/>
+          </a:xfrm>
+          <a:prstGeom prst="rect">
+            <a:avLst/>
+          </a:prstGeom>
+          <a:noFill/>
+        </p:spPr>
+        <p:txBody>
+          <a:bodyPr wrap="square" rtlCol="0">
+            <a:spAutoFit/>
+          </a:bodyPr>
+          <a:lstStyle/>
+          <a:p>
+            <a:r>
+              <a:rPr lang="en-US" sz="2800" dirty="0"/>
+              <a:t>What is GitHub?</a:t>
+            </a:r>
+          </a:p>
+        </p:txBody>
+      </p:sp>
+    </p:spTree>
+    <p:extLst>
+      <p:ext uri="{BB962C8B-B14F-4D97-AF65-F5344CB8AC3E}">
+        <p14:creationId xmlns:p14="http://schemas.microsoft.com/office/powerpoint/2010/main" val="3638758442"/>
+      </p:ext>
+    </p:extLst>
+  </p:cSld>
+  <p:clrMapOvr>
+    <a:masterClrMapping/>
+  </p:clrMapOvr>
+</p:sld>
+</file>
+
+<file path=ppt/slides/slide12.xml><?xml version="1.0" encoding="utf-8"?>
+<p:sld xmlns:a="http://schemas.openxmlformats.org/drawingml/2006/main" xmlns:r="http://schemas.openxmlformats.org/officeDocument/2006/relationships" xmlns:p="http://schemas.openxmlformats.org/presentationml/2006/main">
+  <p:cSld>
+    <p:spTree>
+      <p:nvGrpSpPr>
+        <p:cNvPr id="1" name=""/>
+        <p:cNvGrpSpPr/>
+        <p:nvPr/>
+      </p:nvGrpSpPr>
+      <p:grpSpPr>
+        <a:xfrm>
+          <a:off x="0" y="0"/>
+          <a:ext cx="0" cy="0"/>
+          <a:chOff x="0" y="0"/>
+          <a:chExt cx="0" cy="0"/>
+        </a:xfrm>
+      </p:grpSpPr>
+      <p:sp>
+        <p:nvSpPr>
+          <p:cNvPr id="2" name="Title 1">
+            <a:extLst>
+              <a:ext uri="{FF2B5EF4-FFF2-40B4-BE49-F238E27FC236}">
+                <a16:creationId xmlns:a16="http://schemas.microsoft.com/office/drawing/2014/main" id="{E6F2A796-5A7B-C5AF-85EB-9F30FED91B2E}"/>
+              </a:ext>
+            </a:extLst>
+          </p:cNvPr>
+          <p:cNvSpPr>
+            <a:spLocks noGrp="1"/>
+          </p:cNvSpPr>
+          <p:nvPr>
+            <p:ph type="title"/>
+          </p:nvPr>
+        </p:nvSpPr>
+        <p:spPr/>
+        <p:txBody>
+          <a:bodyPr>
+            <a:normAutofit fontScale="90000"/>
+          </a:bodyPr>
+          <a:lstStyle/>
+          <a:p>
+            <a:r>
+              <a:rPr lang="en-US" dirty="0">
+                <a:latin typeface="+mn-lt"/>
+              </a:rPr>
+              <a:t>GitHub</a:t>
+            </a:r>
+          </a:p>
+        </p:txBody>
+      </p:sp>
+      <p:sp>
+        <p:nvSpPr>
+          <p:cNvPr id="4" name="Rectangle 3">
+            <a:extLst>
+              <a:ext uri="{FF2B5EF4-FFF2-40B4-BE49-F238E27FC236}">
+                <a16:creationId xmlns:a16="http://schemas.microsoft.com/office/drawing/2014/main" id="{E3CEEB05-4CB7-00F3-9EB2-846262DA9700}"/>
+              </a:ext>
+            </a:extLst>
+          </p:cNvPr>
+          <p:cNvSpPr/>
+          <p:nvPr/>
+        </p:nvSpPr>
+        <p:spPr>
+          <a:xfrm>
+            <a:off x="0" y="0"/>
+            <a:ext cx="12192000" cy="465221"/>
+          </a:xfrm>
+          <a:prstGeom prst="rect">
+            <a:avLst/>
+          </a:prstGeom>
+          <a:solidFill>
+            <a:srgbClr val="84C2D8"/>
+          </a:solidFill>
+          <a:ln>
+            <a:solidFill>
+              <a:srgbClr val="84C2D8"/>
+            </a:solidFill>
+          </a:ln>
+        </p:spPr>
+        <p:style>
+          <a:lnRef idx="2">
+            <a:schemeClr val="accent1">
+              <a:shade val="15000"/>
+            </a:schemeClr>
+          </a:lnRef>
+          <a:fillRef idx="1">
+            <a:schemeClr val="accent1"/>
+          </a:fillRef>
+          <a:effectRef idx="0">
+            <a:schemeClr val="accent1"/>
+          </a:effectRef>
+          <a:fontRef idx="minor">
+            <a:schemeClr val="lt1"/>
+          </a:fontRef>
+        </p:style>
+        <p:txBody>
+          <a:bodyPr rtlCol="0" anchor="ctr"/>
+          <a:lstStyle/>
+          <a:p>
+            <a:pPr algn="ctr"/>
+            <a:endParaRPr lang="en-US"/>
+          </a:p>
+        </p:txBody>
+      </p:sp>
+      <p:sp>
+        <p:nvSpPr>
+          <p:cNvPr id="5" name="TextBox 4">
+            <a:extLst>
+              <a:ext uri="{FF2B5EF4-FFF2-40B4-BE49-F238E27FC236}">
+                <a16:creationId xmlns:a16="http://schemas.microsoft.com/office/drawing/2014/main" id="{4E919011-CD86-9FC4-1233-40E6DB611146}"/>
+              </a:ext>
+            </a:extLst>
+          </p:cNvPr>
+          <p:cNvSpPr txBox="1"/>
+          <p:nvPr/>
+        </p:nvSpPr>
+        <p:spPr>
+          <a:xfrm>
+            <a:off x="838200" y="-31422"/>
+            <a:ext cx="5522495" cy="523220"/>
+          </a:xfrm>
+          <a:prstGeom prst="rect">
+            <a:avLst/>
+          </a:prstGeom>
+          <a:noFill/>
+        </p:spPr>
+        <p:txBody>
+          <a:bodyPr wrap="square" rtlCol="0">
+            <a:spAutoFit/>
+          </a:bodyPr>
+          <a:lstStyle/>
+          <a:p>
+            <a:r>
+              <a:rPr lang="en-US" sz="2800" b="1" i="1" dirty="0">
+                <a:ln w="3175">
+                  <a:noFill/>
+                </a:ln>
+                <a:solidFill>
+                  <a:schemeClr val="bg1"/>
+                </a:solidFill>
+                <a:effectLst>
+                  <a:outerShdw blurRad="50800" dist="38100" dir="2700000" sx="101000" sy="101000" algn="tl" rotWithShape="0">
+                    <a:prstClr val="black">
+                      <a:alpha val="54000"/>
+                    </a:prstClr>
+                  </a:outerShdw>
+                </a:effectLst>
+                <a:latin typeface="Bahnschrift Light" panose="020B0502040204020203" pitchFamily="34" charset="0"/>
+              </a:rPr>
+              <a:t>AquaticAlgorithms</a:t>
+            </a:r>
+            <a:endParaRPr lang="en-US" sz="2000" b="1" i="1" dirty="0">
+              <a:ln w="3175">
+                <a:noFill/>
+              </a:ln>
+              <a:solidFill>
+                <a:schemeClr val="bg1"/>
+              </a:solidFill>
+              <a:effectLst>
+                <a:outerShdw blurRad="50800" dist="38100" dir="2700000" sx="101000" sy="101000" algn="tl" rotWithShape="0">
+                  <a:prstClr val="black">
+                    <a:alpha val="54000"/>
+                  </a:prstClr>
+                </a:outerShdw>
+              </a:effectLst>
+              <a:latin typeface="Bahnschrift Light" panose="020B0502040204020203" pitchFamily="34" charset="0"/>
+            </a:endParaRPr>
+          </a:p>
+        </p:txBody>
+      </p:sp>
+      <p:cxnSp>
+        <p:nvCxnSpPr>
+          <p:cNvPr id="7" name="Straight Connector 6">
+            <a:extLst>
+              <a:ext uri="{FF2B5EF4-FFF2-40B4-BE49-F238E27FC236}">
+                <a16:creationId xmlns:a16="http://schemas.microsoft.com/office/drawing/2014/main" id="{04A69C9D-FA15-8D7C-BC0A-401B6B80F3B3}"/>
+              </a:ext>
+            </a:extLst>
+          </p:cNvPr>
+          <p:cNvCxnSpPr>
+            <a:cxnSpLocks/>
+          </p:cNvCxnSpPr>
+          <p:nvPr/>
+        </p:nvCxnSpPr>
+        <p:spPr>
+          <a:xfrm>
+            <a:off x="0" y="465221"/>
+            <a:ext cx="12192000" cy="0"/>
+          </a:xfrm>
+          <a:prstGeom prst="line">
+            <a:avLst/>
+          </a:prstGeom>
+          <a:ln w="19050">
+            <a:solidFill>
+              <a:schemeClr val="bg1">
+                <a:lumMod val="50000"/>
+              </a:schemeClr>
+            </a:solidFill>
+          </a:ln>
+        </p:spPr>
+        <p:style>
+          <a:lnRef idx="1">
+            <a:schemeClr val="accent1"/>
+          </a:lnRef>
+          <a:fillRef idx="0">
+            <a:schemeClr val="accent1"/>
+          </a:fillRef>
+          <a:effectRef idx="0">
+            <a:schemeClr val="accent1"/>
+          </a:effectRef>
+          <a:fontRef idx="minor">
+            <a:schemeClr val="tx1"/>
+          </a:fontRef>
+        </p:style>
+      </p:cxnSp>
+      <p:sp>
+        <p:nvSpPr>
+          <p:cNvPr id="11" name="Date Placeholder 10">
+            <a:extLst>
+              <a:ext uri="{FF2B5EF4-FFF2-40B4-BE49-F238E27FC236}">
+                <a16:creationId xmlns:a16="http://schemas.microsoft.com/office/drawing/2014/main" id="{D75B3316-1D66-5103-7052-5731749BF198}"/>
+              </a:ext>
+            </a:extLst>
+          </p:cNvPr>
+          <p:cNvSpPr>
+            <a:spLocks noGrp="1"/>
+          </p:cNvSpPr>
+          <p:nvPr>
+            <p:ph type="dt" sz="half" idx="10"/>
+          </p:nvPr>
+        </p:nvSpPr>
+        <p:spPr/>
+        <p:txBody>
+          <a:bodyPr/>
+          <a:lstStyle/>
+          <a:p>
+            <a:fld id="{44EB54D8-FB95-4977-A6B0-357A988F9391}" type="datetime1">
+              <a:rPr lang="en-US" smtClean="0"/>
+              <a:t>8/13/2024</a:t>
+            </a:fld>
+            <a:endParaRPr lang="en-US"/>
+          </a:p>
+        </p:txBody>
+      </p:sp>
+      <p:sp>
+        <p:nvSpPr>
+          <p:cNvPr id="12" name="Footer Placeholder 11">
+            <a:extLst>
+              <a:ext uri="{FF2B5EF4-FFF2-40B4-BE49-F238E27FC236}">
+                <a16:creationId xmlns:a16="http://schemas.microsoft.com/office/drawing/2014/main" id="{6C795D4F-3488-7A83-DD64-00817ABBB8C9}"/>
+              </a:ext>
+            </a:extLst>
+          </p:cNvPr>
+          <p:cNvSpPr>
+            <a:spLocks noGrp="1"/>
+          </p:cNvSpPr>
+          <p:nvPr>
+            <p:ph type="ftr" sz="quarter" idx="11"/>
+          </p:nvPr>
+        </p:nvSpPr>
+        <p:spPr/>
+        <p:txBody>
+          <a:bodyPr/>
+          <a:lstStyle/>
+          <a:p>
+            <a:endParaRPr lang="en-US"/>
+          </a:p>
+        </p:txBody>
+      </p:sp>
+      <p:sp>
+        <p:nvSpPr>
+          <p:cNvPr id="13" name="Slide Number Placeholder 12">
+            <a:extLst>
+              <a:ext uri="{FF2B5EF4-FFF2-40B4-BE49-F238E27FC236}">
+                <a16:creationId xmlns:a16="http://schemas.microsoft.com/office/drawing/2014/main" id="{22D2B6A9-734A-ED2C-B41A-744ACE4463E8}"/>
+              </a:ext>
+            </a:extLst>
+          </p:cNvPr>
+          <p:cNvSpPr>
+            <a:spLocks noGrp="1"/>
+          </p:cNvSpPr>
+          <p:nvPr>
+            <p:ph type="sldNum" sz="quarter" idx="12"/>
+          </p:nvPr>
+        </p:nvSpPr>
+        <p:spPr/>
+        <p:txBody>
+          <a:bodyPr/>
+          <a:lstStyle/>
+          <a:p>
+            <a:fld id="{874324C0-6F8E-414F-AEC4-5ACC97FEFF88}" type="slidenum">
+              <a:rPr lang="en-US" smtClean="0"/>
+              <a:t>12</a:t>
             </a:fld>
             <a:endParaRPr lang="en-US"/>
           </a:p>
@@ -5415,7 +5831,7 @@
 </p:sld>
 </file>
 
-<file path=ppt/slides/slide12.xml><?xml version="1.0" encoding="utf-8"?>
+<file path=ppt/slides/slide13.xml><?xml version="1.0" encoding="utf-8"?>
 <p:sld xmlns:a="http://schemas.openxmlformats.org/drawingml/2006/main" xmlns:r="http://schemas.openxmlformats.org/officeDocument/2006/relationships" xmlns:p="http://schemas.openxmlformats.org/presentationml/2006/main">
   <p:cSld>
     <p:spTree>
@@ -5652,7 +6068,7 @@
           <a:p>
             <a:fld id="{44EB54D8-FB95-4977-A6B0-357A988F9391}" type="datetime1">
               <a:rPr lang="en-US" smtClean="0"/>
-              <a:t>7/24/2023</a:t>
+              <a:t>8/13/2024</a:t>
             </a:fld>
             <a:endParaRPr lang="en-US"/>
           </a:p>
@@ -5706,7 +6122,7 @@
           <a:p>
             <a:fld id="{874324C0-6F8E-414F-AEC4-5ACC97FEFF88}" type="slidenum">
               <a:rPr lang="en-US" smtClean="0"/>
-              <a:t>12</a:t>
+              <a:t>13</a:t>
             </a:fld>
             <a:endParaRPr lang="en-US"/>
           </a:p>
@@ -5852,7 +6268,7 @@
 </p:sld>
 </file>
 
-<file path=ppt/slides/slide13.xml><?xml version="1.0" encoding="utf-8"?>
+<file path=ppt/slides/slide14.xml><?xml version="1.0" encoding="utf-8"?>
 <p:sld xmlns:a="http://schemas.openxmlformats.org/drawingml/2006/main" xmlns:r="http://schemas.openxmlformats.org/officeDocument/2006/relationships" xmlns:p="http://schemas.openxmlformats.org/presentationml/2006/main">
   <p:cSld>
     <p:spTree>
@@ -6089,7 +6505,7 @@
           <a:p>
             <a:fld id="{44EB54D8-FB95-4977-A6B0-357A988F9391}" type="datetime1">
               <a:rPr lang="en-US" smtClean="0"/>
-              <a:t>7/24/2023</a:t>
+              <a:t>8/13/2024</a:t>
             </a:fld>
             <a:endParaRPr lang="en-US"/>
           </a:p>
@@ -6143,7 +6559,7 @@
           <a:p>
             <a:fld id="{874324C0-6F8E-414F-AEC4-5ACC97FEFF88}" type="slidenum">
               <a:rPr lang="en-US" smtClean="0"/>
-              <a:t>13</a:t>
+              <a:t>14</a:t>
             </a:fld>
             <a:endParaRPr lang="en-US"/>
           </a:p>
@@ -6351,7 +6767,7 @@
 </p:sld>
 </file>
 
-<file path=ppt/slides/slide14.xml><?xml version="1.0" encoding="utf-8"?>
+<file path=ppt/slides/slide15.xml><?xml version="1.0" encoding="utf-8"?>
 <p:sld xmlns:a="http://schemas.openxmlformats.org/drawingml/2006/main" xmlns:r="http://schemas.openxmlformats.org/officeDocument/2006/relationships" xmlns:p="http://schemas.openxmlformats.org/presentationml/2006/main">
   <p:cSld>
     <p:spTree>
@@ -6588,7 +7004,7 @@
           <a:p>
             <a:fld id="{44EB54D8-FB95-4977-A6B0-357A988F9391}" type="datetime1">
               <a:rPr lang="en-US" smtClean="0"/>
-              <a:t>7/24/2023</a:t>
+              <a:t>8/13/2024</a:t>
             </a:fld>
             <a:endParaRPr lang="en-US"/>
           </a:p>
@@ -6642,7 +7058,7 @@
           <a:p>
             <a:fld id="{874324C0-6F8E-414F-AEC4-5ACC97FEFF88}" type="slidenum">
               <a:rPr lang="en-US" smtClean="0"/>
-              <a:t>14</a:t>
+              <a:t>15</a:t>
             </a:fld>
             <a:endParaRPr lang="en-US"/>
           </a:p>
@@ -6935,7 +7351,7 @@
 </p:sld>
 </file>
 
-<file path=ppt/slides/slide15.xml><?xml version="1.0" encoding="utf-8"?>
+<file path=ppt/slides/slide16.xml><?xml version="1.0" encoding="utf-8"?>
 <p:sld xmlns:a="http://schemas.openxmlformats.org/drawingml/2006/main" xmlns:r="http://schemas.openxmlformats.org/officeDocument/2006/relationships" xmlns:p="http://schemas.openxmlformats.org/presentationml/2006/main">
   <p:cSld>
     <p:spTree>
@@ -7172,7 +7588,7 @@
           <a:p>
             <a:fld id="{44EB54D8-FB95-4977-A6B0-357A988F9391}" type="datetime1">
               <a:rPr lang="en-US" smtClean="0"/>
-              <a:t>7/24/2023</a:t>
+              <a:t>8/13/2024</a:t>
             </a:fld>
             <a:endParaRPr lang="en-US"/>
           </a:p>
@@ -7226,7 +7642,7 @@
           <a:p>
             <a:fld id="{874324C0-6F8E-414F-AEC4-5ACC97FEFF88}" type="slidenum">
               <a:rPr lang="en-US" smtClean="0"/>
-              <a:t>15</a:t>
+              <a:t>16</a:t>
             </a:fld>
             <a:endParaRPr lang="en-US"/>
           </a:p>
@@ -7348,459 +7764,6 @@
     <p:extLst>
       <p:ext uri="{BB962C8B-B14F-4D97-AF65-F5344CB8AC3E}">
         <p14:creationId xmlns:p14="http://schemas.microsoft.com/office/powerpoint/2010/main" val="3035205904"/>
-      </p:ext>
-    </p:extLst>
-  </p:cSld>
-  <p:clrMapOvr>
-    <a:masterClrMapping/>
-  </p:clrMapOvr>
-</p:sld>
-</file>
-
-<file path=ppt/slides/slide16.xml><?xml version="1.0" encoding="utf-8"?>
-<p:sld xmlns:a="http://schemas.openxmlformats.org/drawingml/2006/main" xmlns:r="http://schemas.openxmlformats.org/officeDocument/2006/relationships" xmlns:p="http://schemas.openxmlformats.org/presentationml/2006/main">
-  <p:cSld>
-    <p:spTree>
-      <p:nvGrpSpPr>
-        <p:cNvPr id="1" name=""/>
-        <p:cNvGrpSpPr/>
-        <p:nvPr/>
-      </p:nvGrpSpPr>
-      <p:grpSpPr>
-        <a:xfrm>
-          <a:off x="0" y="0"/>
-          <a:ext cx="0" cy="0"/>
-          <a:chOff x="0" y="0"/>
-          <a:chExt cx="0" cy="0"/>
-        </a:xfrm>
-      </p:grpSpPr>
-      <p:sp>
-        <p:nvSpPr>
-          <p:cNvPr id="2" name="Title 1">
-            <a:extLst>
-              <a:ext uri="{FF2B5EF4-FFF2-40B4-BE49-F238E27FC236}">
-                <a16:creationId xmlns:a16="http://schemas.microsoft.com/office/drawing/2014/main" id="{E6F2A796-5A7B-C5AF-85EB-9F30FED91B2E}"/>
-              </a:ext>
-            </a:extLst>
-          </p:cNvPr>
-          <p:cNvSpPr>
-            <a:spLocks noGrp="1"/>
-          </p:cNvSpPr>
-          <p:nvPr>
-            <p:ph type="title"/>
-          </p:nvPr>
-        </p:nvSpPr>
-        <p:spPr/>
-        <p:txBody>
-          <a:bodyPr>
-            <a:normAutofit fontScale="90000"/>
-          </a:bodyPr>
-          <a:lstStyle/>
-          <a:p>
-            <a:r>
-              <a:rPr lang="en-US" dirty="0">
-                <a:latin typeface="+mn-lt"/>
-              </a:rPr>
-              <a:t>GitHub</a:t>
-            </a:r>
-          </a:p>
-        </p:txBody>
-      </p:sp>
-      <p:sp>
-        <p:nvSpPr>
-          <p:cNvPr id="4" name="Rectangle 3">
-            <a:extLst>
-              <a:ext uri="{FF2B5EF4-FFF2-40B4-BE49-F238E27FC236}">
-                <a16:creationId xmlns:a16="http://schemas.microsoft.com/office/drawing/2014/main" id="{E3CEEB05-4CB7-00F3-9EB2-846262DA9700}"/>
-              </a:ext>
-            </a:extLst>
-          </p:cNvPr>
-          <p:cNvSpPr/>
-          <p:nvPr/>
-        </p:nvSpPr>
-        <p:spPr>
-          <a:xfrm>
-            <a:off x="0" y="0"/>
-            <a:ext cx="12192000" cy="465221"/>
-          </a:xfrm>
-          <a:prstGeom prst="rect">
-            <a:avLst/>
-          </a:prstGeom>
-          <a:solidFill>
-            <a:srgbClr val="84C2D8"/>
-          </a:solidFill>
-          <a:ln>
-            <a:solidFill>
-              <a:srgbClr val="84C2D8"/>
-            </a:solidFill>
-          </a:ln>
-        </p:spPr>
-        <p:style>
-          <a:lnRef idx="2">
-            <a:schemeClr val="accent1">
-              <a:shade val="15000"/>
-            </a:schemeClr>
-          </a:lnRef>
-          <a:fillRef idx="1">
-            <a:schemeClr val="accent1"/>
-          </a:fillRef>
-          <a:effectRef idx="0">
-            <a:schemeClr val="accent1"/>
-          </a:effectRef>
-          <a:fontRef idx="minor">
-            <a:schemeClr val="lt1"/>
-          </a:fontRef>
-        </p:style>
-        <p:txBody>
-          <a:bodyPr rtlCol="0" anchor="ctr"/>
-          <a:lstStyle/>
-          <a:p>
-            <a:pPr algn="ctr"/>
-            <a:endParaRPr lang="en-US"/>
-          </a:p>
-        </p:txBody>
-      </p:sp>
-      <p:sp>
-        <p:nvSpPr>
-          <p:cNvPr id="5" name="TextBox 4">
-            <a:extLst>
-              <a:ext uri="{FF2B5EF4-FFF2-40B4-BE49-F238E27FC236}">
-                <a16:creationId xmlns:a16="http://schemas.microsoft.com/office/drawing/2014/main" id="{4E919011-CD86-9FC4-1233-40E6DB611146}"/>
-              </a:ext>
-            </a:extLst>
-          </p:cNvPr>
-          <p:cNvSpPr txBox="1"/>
-          <p:nvPr/>
-        </p:nvSpPr>
-        <p:spPr>
-          <a:xfrm>
-            <a:off x="838200" y="-31422"/>
-            <a:ext cx="5522495" cy="523220"/>
-          </a:xfrm>
-          <a:prstGeom prst="rect">
-            <a:avLst/>
-          </a:prstGeom>
-          <a:noFill/>
-        </p:spPr>
-        <p:txBody>
-          <a:bodyPr wrap="square" rtlCol="0">
-            <a:spAutoFit/>
-          </a:bodyPr>
-          <a:lstStyle/>
-          <a:p>
-            <a:r>
-              <a:rPr lang="en-US" sz="2800" b="1" i="1" dirty="0">
-                <a:ln w="3175">
-                  <a:noFill/>
-                </a:ln>
-                <a:solidFill>
-                  <a:schemeClr val="bg1"/>
-                </a:solidFill>
-                <a:effectLst>
-                  <a:outerShdw blurRad="50800" dist="38100" dir="2700000" sx="101000" sy="101000" algn="tl" rotWithShape="0">
-                    <a:prstClr val="black">
-                      <a:alpha val="54000"/>
-                    </a:prstClr>
-                  </a:outerShdw>
-                </a:effectLst>
-                <a:latin typeface="Bahnschrift Light" panose="020B0502040204020203" pitchFamily="34" charset="0"/>
-              </a:rPr>
-              <a:t>AquaticAlgorithms</a:t>
-            </a:r>
-            <a:endParaRPr lang="en-US" sz="2000" b="1" i="1" dirty="0">
-              <a:ln w="3175">
-                <a:noFill/>
-              </a:ln>
-              <a:solidFill>
-                <a:schemeClr val="bg1"/>
-              </a:solidFill>
-              <a:effectLst>
-                <a:outerShdw blurRad="50800" dist="38100" dir="2700000" sx="101000" sy="101000" algn="tl" rotWithShape="0">
-                  <a:prstClr val="black">
-                    <a:alpha val="54000"/>
-                  </a:prstClr>
-                </a:outerShdw>
-              </a:effectLst>
-              <a:latin typeface="Bahnschrift Light" panose="020B0502040204020203" pitchFamily="34" charset="0"/>
-            </a:endParaRPr>
-          </a:p>
-        </p:txBody>
-      </p:sp>
-      <p:cxnSp>
-        <p:nvCxnSpPr>
-          <p:cNvPr id="7" name="Straight Connector 6">
-            <a:extLst>
-              <a:ext uri="{FF2B5EF4-FFF2-40B4-BE49-F238E27FC236}">
-                <a16:creationId xmlns:a16="http://schemas.microsoft.com/office/drawing/2014/main" id="{04A69C9D-FA15-8D7C-BC0A-401B6B80F3B3}"/>
-              </a:ext>
-            </a:extLst>
-          </p:cNvPr>
-          <p:cNvCxnSpPr>
-            <a:cxnSpLocks/>
-          </p:cNvCxnSpPr>
-          <p:nvPr/>
-        </p:nvCxnSpPr>
-        <p:spPr>
-          <a:xfrm>
-            <a:off x="0" y="465221"/>
-            <a:ext cx="12192000" cy="0"/>
-          </a:xfrm>
-          <a:prstGeom prst="line">
-            <a:avLst/>
-          </a:prstGeom>
-          <a:ln w="19050">
-            <a:solidFill>
-              <a:schemeClr val="bg1">
-                <a:lumMod val="50000"/>
-              </a:schemeClr>
-            </a:solidFill>
-          </a:ln>
-        </p:spPr>
-        <p:style>
-          <a:lnRef idx="1">
-            <a:schemeClr val="accent1"/>
-          </a:lnRef>
-          <a:fillRef idx="0">
-            <a:schemeClr val="accent1"/>
-          </a:fillRef>
-          <a:effectRef idx="0">
-            <a:schemeClr val="accent1"/>
-          </a:effectRef>
-          <a:fontRef idx="minor">
-            <a:schemeClr val="tx1"/>
-          </a:fontRef>
-        </p:style>
-      </p:cxnSp>
-      <p:sp>
-        <p:nvSpPr>
-          <p:cNvPr id="11" name="Date Placeholder 10">
-            <a:extLst>
-              <a:ext uri="{FF2B5EF4-FFF2-40B4-BE49-F238E27FC236}">
-                <a16:creationId xmlns:a16="http://schemas.microsoft.com/office/drawing/2014/main" id="{D75B3316-1D66-5103-7052-5731749BF198}"/>
-              </a:ext>
-            </a:extLst>
-          </p:cNvPr>
-          <p:cNvSpPr>
-            <a:spLocks noGrp="1"/>
-          </p:cNvSpPr>
-          <p:nvPr>
-            <p:ph type="dt" sz="half" idx="10"/>
-          </p:nvPr>
-        </p:nvSpPr>
-        <p:spPr/>
-        <p:txBody>
-          <a:bodyPr/>
-          <a:lstStyle/>
-          <a:p>
-            <a:fld id="{44EB54D8-FB95-4977-A6B0-357A988F9391}" type="datetime1">
-              <a:rPr lang="en-US" smtClean="0"/>
-              <a:t>7/24/2023</a:t>
-            </a:fld>
-            <a:endParaRPr lang="en-US"/>
-          </a:p>
-        </p:txBody>
-      </p:sp>
-      <p:sp>
-        <p:nvSpPr>
-          <p:cNvPr id="12" name="Footer Placeholder 11">
-            <a:extLst>
-              <a:ext uri="{FF2B5EF4-FFF2-40B4-BE49-F238E27FC236}">
-                <a16:creationId xmlns:a16="http://schemas.microsoft.com/office/drawing/2014/main" id="{6C795D4F-3488-7A83-DD64-00817ABBB8C9}"/>
-              </a:ext>
-            </a:extLst>
-          </p:cNvPr>
-          <p:cNvSpPr>
-            <a:spLocks noGrp="1"/>
-          </p:cNvSpPr>
-          <p:nvPr>
-            <p:ph type="ftr" sz="quarter" idx="11"/>
-          </p:nvPr>
-        </p:nvSpPr>
-        <p:spPr/>
-        <p:txBody>
-          <a:bodyPr/>
-          <a:lstStyle/>
-          <a:p>
-            <a:endParaRPr lang="en-US"/>
-          </a:p>
-        </p:txBody>
-      </p:sp>
-      <p:sp>
-        <p:nvSpPr>
-          <p:cNvPr id="13" name="Slide Number Placeholder 12">
-            <a:extLst>
-              <a:ext uri="{FF2B5EF4-FFF2-40B4-BE49-F238E27FC236}">
-                <a16:creationId xmlns:a16="http://schemas.microsoft.com/office/drawing/2014/main" id="{22D2B6A9-734A-ED2C-B41A-744ACE4463E8}"/>
-              </a:ext>
-            </a:extLst>
-          </p:cNvPr>
-          <p:cNvSpPr>
-            <a:spLocks noGrp="1"/>
-          </p:cNvSpPr>
-          <p:nvPr>
-            <p:ph type="sldNum" sz="quarter" idx="12"/>
-          </p:nvPr>
-        </p:nvSpPr>
-        <p:spPr/>
-        <p:txBody>
-          <a:bodyPr/>
-          <a:lstStyle/>
-          <a:p>
-            <a:fld id="{874324C0-6F8E-414F-AEC4-5ACC97FEFF88}" type="slidenum">
-              <a:rPr lang="en-US" smtClean="0"/>
-              <a:t>16</a:t>
-            </a:fld>
-            <a:endParaRPr lang="en-US"/>
-          </a:p>
-        </p:txBody>
-      </p:sp>
-      <p:pic>
-        <p:nvPicPr>
-          <p:cNvPr id="9" name="Picture 8">
-            <a:extLst>
-              <a:ext uri="{FF2B5EF4-FFF2-40B4-BE49-F238E27FC236}">
-                <a16:creationId xmlns:a16="http://schemas.microsoft.com/office/drawing/2014/main" id="{2CAF2B84-A1B7-B911-AE80-6FC32C2D006E}"/>
-              </a:ext>
-            </a:extLst>
-          </p:cNvPr>
-          <p:cNvPicPr>
-            <a:picLocks noChangeAspect="1"/>
-          </p:cNvPicPr>
-          <p:nvPr/>
-        </p:nvPicPr>
-        <p:blipFill>
-          <a:blip r:embed="rId2"/>
-          <a:stretch>
-            <a:fillRect/>
-          </a:stretch>
-        </p:blipFill>
-        <p:spPr>
-          <a:xfrm>
-            <a:off x="6198415" y="1992672"/>
-            <a:ext cx="5806046" cy="3969042"/>
-          </a:xfrm>
-          <a:prstGeom prst="rect">
-            <a:avLst/>
-          </a:prstGeom>
-        </p:spPr>
-      </p:pic>
-      <p:sp>
-        <p:nvSpPr>
-          <p:cNvPr id="10" name="Content Placeholder 14">
-            <a:extLst>
-              <a:ext uri="{FF2B5EF4-FFF2-40B4-BE49-F238E27FC236}">
-                <a16:creationId xmlns:a16="http://schemas.microsoft.com/office/drawing/2014/main" id="{3E739862-B192-81C6-C55E-CE42F2472F0E}"/>
-              </a:ext>
-            </a:extLst>
-          </p:cNvPr>
-          <p:cNvSpPr>
-            <a:spLocks noGrp="1"/>
-          </p:cNvSpPr>
-          <p:nvPr>
-            <p:ph idx="1"/>
-          </p:nvPr>
-        </p:nvSpPr>
-        <p:spPr>
-          <a:xfrm>
-            <a:off x="488383" y="2142835"/>
-            <a:ext cx="5219690" cy="4034127"/>
-          </a:xfrm>
-        </p:spPr>
-        <p:txBody>
-          <a:bodyPr>
-            <a:normAutofit/>
-          </a:bodyPr>
-          <a:lstStyle/>
-          <a:p>
-            <a:r>
-              <a:rPr lang="en-US" sz="2400" dirty="0"/>
-              <a:t>Repositories have files called “README.md”</a:t>
-            </a:r>
-          </a:p>
-          <a:p>
-            <a:endParaRPr lang="en-US" sz="2400" dirty="0"/>
-          </a:p>
-          <a:p>
-            <a:r>
-              <a:rPr lang="en-US" sz="2400" dirty="0"/>
-              <a:t>These are </a:t>
-            </a:r>
-            <a:r>
-              <a:rPr lang="en-US" sz="2400" i="1" dirty="0"/>
-              <a:t>markdown</a:t>
-            </a:r>
-            <a:r>
-              <a:rPr lang="en-US" sz="2400" dirty="0"/>
-              <a:t> files (.md)</a:t>
-            </a:r>
-          </a:p>
-          <a:p>
-            <a:endParaRPr lang="en-US" sz="2400" dirty="0"/>
-          </a:p>
-          <a:p>
-            <a:r>
-              <a:rPr lang="en-US" sz="2400" dirty="0"/>
-              <a:t>README files give instructions</a:t>
-            </a:r>
-          </a:p>
-        </p:txBody>
-      </p:sp>
-      <p:sp>
-        <p:nvSpPr>
-          <p:cNvPr id="15" name="TextBox 14">
-            <a:extLst>
-              <a:ext uri="{FF2B5EF4-FFF2-40B4-BE49-F238E27FC236}">
-                <a16:creationId xmlns:a16="http://schemas.microsoft.com/office/drawing/2014/main" id="{A703B091-F9A9-DFAE-294F-F6EC039C2570}"/>
-              </a:ext>
-            </a:extLst>
-          </p:cNvPr>
-          <p:cNvSpPr txBox="1"/>
-          <p:nvPr/>
-        </p:nvSpPr>
-        <p:spPr>
-          <a:xfrm>
-            <a:off x="838200" y="1368597"/>
-            <a:ext cx="8887966" cy="523220"/>
-          </a:xfrm>
-          <a:prstGeom prst="rect">
-            <a:avLst/>
-          </a:prstGeom>
-          <a:noFill/>
-        </p:spPr>
-        <p:txBody>
-          <a:bodyPr wrap="square" rtlCol="0">
-            <a:spAutoFit/>
-          </a:bodyPr>
-          <a:lstStyle/>
-          <a:p>
-            <a:r>
-              <a:rPr lang="en-US" sz="2800" dirty="0"/>
-              <a:t>What is GitHub?    </a:t>
-            </a:r>
-            <a:r>
-              <a:rPr lang="en-US" sz="2800" b="1" i="1" dirty="0">
-                <a:solidFill>
-                  <a:schemeClr val="accent1">
-                    <a:lumMod val="50000"/>
-                  </a:schemeClr>
-                </a:solidFill>
-              </a:rPr>
-              <a:t>“Repository”</a:t>
-            </a:r>
-            <a:endParaRPr lang="en-US" sz="2800" dirty="0">
-              <a:solidFill>
-                <a:schemeClr val="accent1">
-                  <a:lumMod val="50000"/>
-                </a:schemeClr>
-              </a:solidFill>
-            </a:endParaRPr>
-          </a:p>
-        </p:txBody>
-      </p:sp>
-    </p:spTree>
-    <p:extLst>
-      <p:ext uri="{BB962C8B-B14F-4D97-AF65-F5344CB8AC3E}">
-        <p14:creationId xmlns:p14="http://schemas.microsoft.com/office/powerpoint/2010/main" val="712127459"/>
       </p:ext>
     </p:extLst>
   </p:cSld>
@@ -8047,7 +8010,7 @@
           <a:p>
             <a:fld id="{44EB54D8-FB95-4977-A6B0-357A988F9391}" type="datetime1">
               <a:rPr lang="en-US" smtClean="0"/>
-              <a:t>7/24/2023</a:t>
+              <a:t>8/13/2024</a:t>
             </a:fld>
             <a:endParaRPr lang="en-US"/>
           </a:p>
@@ -8139,6 +8102,67 @@
       </p:pic>
       <p:sp>
         <p:nvSpPr>
+          <p:cNvPr id="10" name="Content Placeholder 14">
+            <a:extLst>
+              <a:ext uri="{FF2B5EF4-FFF2-40B4-BE49-F238E27FC236}">
+                <a16:creationId xmlns:a16="http://schemas.microsoft.com/office/drawing/2014/main" id="{3E739862-B192-81C6-C55E-CE42F2472F0E}"/>
+              </a:ext>
+            </a:extLst>
+          </p:cNvPr>
+          <p:cNvSpPr>
+            <a:spLocks noGrp="1"/>
+          </p:cNvSpPr>
+          <p:nvPr>
+            <p:ph idx="1"/>
+          </p:nvPr>
+        </p:nvSpPr>
+        <p:spPr>
+          <a:xfrm>
+            <a:off x="488383" y="2142835"/>
+            <a:ext cx="5219690" cy="4034127"/>
+          </a:xfrm>
+        </p:spPr>
+        <p:txBody>
+          <a:bodyPr>
+            <a:normAutofit/>
+          </a:bodyPr>
+          <a:lstStyle/>
+          <a:p>
+            <a:r>
+              <a:rPr lang="en-US" sz="2400" dirty="0"/>
+              <a:t>Repositories have files called “README.md”</a:t>
+            </a:r>
+          </a:p>
+          <a:p>
+            <a:endParaRPr lang="en-US" sz="2400" dirty="0"/>
+          </a:p>
+          <a:p>
+            <a:r>
+              <a:rPr lang="en-US" sz="2400" dirty="0"/>
+              <a:t>These are </a:t>
+            </a:r>
+            <a:r>
+              <a:rPr lang="en-US" sz="2400" i="1" dirty="0"/>
+              <a:t>markdown</a:t>
+            </a:r>
+            <a:r>
+              <a:rPr lang="en-US" sz="2400" dirty="0"/>
+              <a:t> files (.md)</a:t>
+            </a:r>
+          </a:p>
+          <a:p>
+            <a:endParaRPr lang="en-US" sz="2400" dirty="0"/>
+          </a:p>
+          <a:p>
+            <a:r>
+              <a:rPr lang="en-US" sz="2400" dirty="0"/>
+              <a:t>README files give instructions</a:t>
+            </a:r>
+          </a:p>
+        </p:txBody>
+      </p:sp>
+      <p:sp>
+        <p:nvSpPr>
           <p:cNvPr id="15" name="TextBox 14">
             <a:extLst>
               <a:ext uri="{FF2B5EF4-FFF2-40B4-BE49-F238E27FC236}">
@@ -8189,93 +8213,10 @@
           </a:p>
         </p:txBody>
       </p:sp>
-      <p:pic>
-        <p:nvPicPr>
-          <p:cNvPr id="8" name="Picture 7">
-            <a:extLst>
-              <a:ext uri="{FF2B5EF4-FFF2-40B4-BE49-F238E27FC236}">
-                <a16:creationId xmlns:a16="http://schemas.microsoft.com/office/drawing/2014/main" id="{30BAE028-2566-484E-3E0E-A5EC5699B0BF}"/>
-              </a:ext>
-            </a:extLst>
-          </p:cNvPr>
-          <p:cNvPicPr>
-            <a:picLocks noChangeAspect="1"/>
-          </p:cNvPicPr>
-          <p:nvPr/>
-        </p:nvPicPr>
-        <p:blipFill rotWithShape="1">
-          <a:blip r:embed="rId3"/>
-          <a:srcRect r="32148"/>
-          <a:stretch/>
-        </p:blipFill>
-        <p:spPr>
-          <a:xfrm>
-            <a:off x="644999" y="2163625"/>
-            <a:ext cx="4398055" cy="3798089"/>
-          </a:xfrm>
-          <a:prstGeom prst="rect">
-            <a:avLst/>
-          </a:prstGeom>
-        </p:spPr>
-      </p:pic>
-      <p:sp>
-        <p:nvSpPr>
-          <p:cNvPr id="14" name="Arrow: Right 13">
-            <a:extLst>
-              <a:ext uri="{FF2B5EF4-FFF2-40B4-BE49-F238E27FC236}">
-                <a16:creationId xmlns:a16="http://schemas.microsoft.com/office/drawing/2014/main" id="{8FE95AF2-751A-793D-5492-01287FC4FB0C}"/>
-              </a:ext>
-            </a:extLst>
-          </p:cNvPr>
-          <p:cNvSpPr/>
-          <p:nvPr/>
-        </p:nvSpPr>
-        <p:spPr>
-          <a:xfrm>
-            <a:off x="5116945" y="3187290"/>
-            <a:ext cx="1173019" cy="969819"/>
-          </a:xfrm>
-          <a:prstGeom prst="rightArrow">
-            <a:avLst/>
-          </a:prstGeom>
-          <a:solidFill>
-            <a:srgbClr val="84C2D8"/>
-          </a:solidFill>
-          <a:ln>
-            <a:solidFill>
-              <a:srgbClr val="84C2D8"/>
-            </a:solidFill>
-          </a:ln>
-        </p:spPr>
-        <p:style>
-          <a:lnRef idx="2">
-            <a:schemeClr val="accent1">
-              <a:shade val="15000"/>
-            </a:schemeClr>
-          </a:lnRef>
-          <a:fillRef idx="1">
-            <a:schemeClr val="accent1"/>
-          </a:fillRef>
-          <a:effectRef idx="0">
-            <a:schemeClr val="accent1"/>
-          </a:effectRef>
-          <a:fontRef idx="minor">
-            <a:schemeClr val="lt1"/>
-          </a:fontRef>
-        </p:style>
-        <p:txBody>
-          <a:bodyPr rtlCol="0" anchor="ctr"/>
-          <a:lstStyle/>
-          <a:p>
-            <a:pPr algn="ctr"/>
-            <a:endParaRPr lang="en-US"/>
-          </a:p>
-        </p:txBody>
-      </p:sp>
     </p:spTree>
     <p:extLst>
       <p:ext uri="{BB962C8B-B14F-4D97-AF65-F5344CB8AC3E}">
-        <p14:creationId xmlns:p14="http://schemas.microsoft.com/office/powerpoint/2010/main" val="365873595"/>
+        <p14:creationId xmlns:p14="http://schemas.microsoft.com/office/powerpoint/2010/main" val="712127459"/>
       </p:ext>
     </p:extLst>
   </p:cSld>
@@ -8326,16 +8267,11 @@
           <a:lstStyle/>
           <a:p>
             <a:r>
-              <a:rPr lang="en-US" dirty="0"/>
-              <a:t>Google </a:t>
-            </a:r>
-            <a:r>
-              <a:rPr lang="en-US" dirty="0" err="1"/>
-              <a:t>Colab</a:t>
-            </a:r>
-            <a:endParaRPr lang="en-US" dirty="0">
-              <a:latin typeface="+mn-lt"/>
-            </a:endParaRPr>
+              <a:rPr lang="en-US" dirty="0">
+                <a:latin typeface="+mn-lt"/>
+              </a:rPr>
+              <a:t>GitHub</a:t>
+            </a:r>
           </a:p>
         </p:txBody>
       </p:sp>
@@ -8527,7 +8463,7 @@
           <a:p>
             <a:fld id="{44EB54D8-FB95-4977-A6B0-357A988F9391}" type="datetime1">
               <a:rPr lang="en-US" smtClean="0"/>
-              <a:t>7/24/2023</a:t>
+              <a:t>8/13/2024</a:t>
             </a:fld>
             <a:endParaRPr lang="en-US"/>
           </a:p>
@@ -8587,44 +8523,175 @@
           </a:p>
         </p:txBody>
       </p:sp>
-      <p:sp>
-        <p:nvSpPr>
-          <p:cNvPr id="15" name="Content Placeholder 14">
-            <a:extLst>
-              <a:ext uri="{FF2B5EF4-FFF2-40B4-BE49-F238E27FC236}">
-                <a16:creationId xmlns:a16="http://schemas.microsoft.com/office/drawing/2014/main" id="{8D45C392-37EE-201A-DD34-F5DFE567C0E1}"/>
-              </a:ext>
-            </a:extLst>
-          </p:cNvPr>
-          <p:cNvSpPr>
-            <a:spLocks noGrp="1"/>
-          </p:cNvSpPr>
-          <p:nvPr>
-            <p:ph idx="1"/>
-          </p:nvPr>
-        </p:nvSpPr>
-        <p:spPr/>
-        <p:txBody>
-          <a:bodyPr/>
-          <a:lstStyle/>
-          <a:p>
-            <a:r>
-              <a:rPr lang="en-US" dirty="0"/>
-              <a:t>This is how we are going to do all our coding!</a:t>
-            </a:r>
-          </a:p>
-          <a:p>
-            <a:pPr marL="0" indent="0">
-              <a:buNone/>
-            </a:pPr>
-            <a:endParaRPr lang="en-US" dirty="0"/>
+      <p:pic>
+        <p:nvPicPr>
+          <p:cNvPr id="9" name="Picture 8">
+            <a:extLst>
+              <a:ext uri="{FF2B5EF4-FFF2-40B4-BE49-F238E27FC236}">
+                <a16:creationId xmlns:a16="http://schemas.microsoft.com/office/drawing/2014/main" id="{2CAF2B84-A1B7-B911-AE80-6FC32C2D006E}"/>
+              </a:ext>
+            </a:extLst>
+          </p:cNvPr>
+          <p:cNvPicPr>
+            <a:picLocks noChangeAspect="1"/>
+          </p:cNvPicPr>
+          <p:nvPr/>
+        </p:nvPicPr>
+        <p:blipFill>
+          <a:blip r:embed="rId2"/>
+          <a:stretch>
+            <a:fillRect/>
+          </a:stretch>
+        </p:blipFill>
+        <p:spPr>
+          <a:xfrm>
+            <a:off x="6198415" y="1992672"/>
+            <a:ext cx="5806046" cy="3969042"/>
+          </a:xfrm>
+          <a:prstGeom prst="rect">
+            <a:avLst/>
+          </a:prstGeom>
+        </p:spPr>
+      </p:pic>
+      <p:sp>
+        <p:nvSpPr>
+          <p:cNvPr id="15" name="TextBox 14">
+            <a:extLst>
+              <a:ext uri="{FF2B5EF4-FFF2-40B4-BE49-F238E27FC236}">
+                <a16:creationId xmlns:a16="http://schemas.microsoft.com/office/drawing/2014/main" id="{A703B091-F9A9-DFAE-294F-F6EC039C2570}"/>
+              </a:ext>
+            </a:extLst>
+          </p:cNvPr>
+          <p:cNvSpPr txBox="1"/>
+          <p:nvPr/>
+        </p:nvSpPr>
+        <p:spPr>
+          <a:xfrm>
+            <a:off x="838200" y="1368597"/>
+            <a:ext cx="8887966" cy="523220"/>
+          </a:xfrm>
+          <a:prstGeom prst="rect">
+            <a:avLst/>
+          </a:prstGeom>
+          <a:noFill/>
+        </p:spPr>
+        <p:txBody>
+          <a:bodyPr wrap="square" rtlCol="0">
+            <a:spAutoFit/>
+          </a:bodyPr>
+          <a:lstStyle/>
+          <a:p>
+            <a:r>
+              <a:rPr lang="en-US" sz="2800" dirty="0"/>
+              <a:t>What is GitHub?    </a:t>
+            </a:r>
+            <a:r>
+              <a:rPr lang="en-US" sz="2800" b="1" i="1" dirty="0">
+                <a:solidFill>
+                  <a:schemeClr val="accent1">
+                    <a:lumMod val="50000"/>
+                  </a:schemeClr>
+                </a:solidFill>
+              </a:rPr>
+              <a:t>“Repository”</a:t>
+            </a:r>
+            <a:endParaRPr lang="en-US" sz="2800" dirty="0">
+              <a:solidFill>
+                <a:schemeClr val="accent1">
+                  <a:lumMod val="50000"/>
+                </a:schemeClr>
+              </a:solidFill>
+            </a:endParaRPr>
+          </a:p>
+        </p:txBody>
+      </p:sp>
+      <p:pic>
+        <p:nvPicPr>
+          <p:cNvPr id="8" name="Picture 7">
+            <a:extLst>
+              <a:ext uri="{FF2B5EF4-FFF2-40B4-BE49-F238E27FC236}">
+                <a16:creationId xmlns:a16="http://schemas.microsoft.com/office/drawing/2014/main" id="{30BAE028-2566-484E-3E0E-A5EC5699B0BF}"/>
+              </a:ext>
+            </a:extLst>
+          </p:cNvPr>
+          <p:cNvPicPr>
+            <a:picLocks noChangeAspect="1"/>
+          </p:cNvPicPr>
+          <p:nvPr/>
+        </p:nvPicPr>
+        <p:blipFill rotWithShape="1">
+          <a:blip r:embed="rId3"/>
+          <a:srcRect r="32148"/>
+          <a:stretch/>
+        </p:blipFill>
+        <p:spPr>
+          <a:xfrm>
+            <a:off x="644999" y="2163625"/>
+            <a:ext cx="4398055" cy="3798089"/>
+          </a:xfrm>
+          <a:prstGeom prst="rect">
+            <a:avLst/>
+          </a:prstGeom>
+        </p:spPr>
+      </p:pic>
+      <p:sp>
+        <p:nvSpPr>
+          <p:cNvPr id="14" name="Arrow: Right 13">
+            <a:extLst>
+              <a:ext uri="{FF2B5EF4-FFF2-40B4-BE49-F238E27FC236}">
+                <a16:creationId xmlns:a16="http://schemas.microsoft.com/office/drawing/2014/main" id="{8FE95AF2-751A-793D-5492-01287FC4FB0C}"/>
+              </a:ext>
+            </a:extLst>
+          </p:cNvPr>
+          <p:cNvSpPr/>
+          <p:nvPr/>
+        </p:nvSpPr>
+        <p:spPr>
+          <a:xfrm>
+            <a:off x="5116945" y="3187290"/>
+            <a:ext cx="1173019" cy="969819"/>
+          </a:xfrm>
+          <a:prstGeom prst="rightArrow">
+            <a:avLst/>
+          </a:prstGeom>
+          <a:solidFill>
+            <a:srgbClr val="84C2D8"/>
+          </a:solidFill>
+          <a:ln>
+            <a:solidFill>
+              <a:srgbClr val="84C2D8"/>
+            </a:solidFill>
+          </a:ln>
+        </p:spPr>
+        <p:style>
+          <a:lnRef idx="2">
+            <a:schemeClr val="accent1">
+              <a:shade val="15000"/>
+            </a:schemeClr>
+          </a:lnRef>
+          <a:fillRef idx="1">
+            <a:schemeClr val="accent1"/>
+          </a:fillRef>
+          <a:effectRef idx="0">
+            <a:schemeClr val="accent1"/>
+          </a:effectRef>
+          <a:fontRef idx="minor">
+            <a:schemeClr val="lt1"/>
+          </a:fontRef>
+        </p:style>
+        <p:txBody>
+          <a:bodyPr rtlCol="0" anchor="ctr"/>
+          <a:lstStyle/>
+          <a:p>
+            <a:pPr algn="ctr"/>
+            <a:endParaRPr lang="en-US"/>
           </a:p>
         </p:txBody>
       </p:sp>
     </p:spTree>
     <p:extLst>
       <p:ext uri="{BB962C8B-B14F-4D97-AF65-F5344CB8AC3E}">
-        <p14:creationId xmlns:p14="http://schemas.microsoft.com/office/powerpoint/2010/main" val="1668580395"/>
+        <p14:creationId xmlns:p14="http://schemas.microsoft.com/office/powerpoint/2010/main" val="365873595"/>
       </p:ext>
     </p:extLst>
   </p:cSld>
@@ -8876,7 +8943,7 @@
           <a:p>
             <a:fld id="{44EB54D8-FB95-4977-A6B0-357A988F9391}" type="datetime1">
               <a:rPr lang="en-US" smtClean="0"/>
-              <a:t>7/24/2023</a:t>
+              <a:t>8/13/2024</a:t>
             </a:fld>
             <a:endParaRPr lang="en-US"/>
           </a:p>
@@ -8968,61 +9035,12 @@
             </a:pPr>
             <a:endParaRPr lang="en-US" dirty="0"/>
           </a:p>
-          <a:p>
-            <a:pPr marL="0" indent="0">
-              <a:buNone/>
-            </a:pPr>
-            <a:r>
-              <a:rPr lang="en-US" b="1" dirty="0"/>
-              <a:t>Benefits:</a:t>
-            </a:r>
-          </a:p>
-          <a:p>
-            <a:pPr>
-              <a:buFont typeface="Wingdings" panose="05000000000000000000" pitchFamily="2" charset="2"/>
-              <a:buChar char="ü"/>
-            </a:pPr>
-            <a:r>
-              <a:rPr lang="en-US" dirty="0"/>
-              <a:t> No need to install Python or any other software</a:t>
-            </a:r>
-          </a:p>
-          <a:p>
-            <a:pPr>
-              <a:buFont typeface="Wingdings" panose="05000000000000000000" pitchFamily="2" charset="2"/>
-              <a:buChar char="ü"/>
-            </a:pPr>
-            <a:r>
-              <a:rPr lang="en-US" dirty="0"/>
-              <a:t> It’s easy to use</a:t>
-            </a:r>
-          </a:p>
-          <a:p>
-            <a:pPr>
-              <a:buFont typeface="Wingdings" panose="05000000000000000000" pitchFamily="2" charset="2"/>
-              <a:buChar char="ü"/>
-            </a:pPr>
-            <a:r>
-              <a:rPr lang="en-US" dirty="0"/>
-              <a:t> Your work can be saved on Google Drive</a:t>
-            </a:r>
-          </a:p>
-          <a:p>
-            <a:pPr>
-              <a:buFont typeface="Wingdings" panose="05000000000000000000" pitchFamily="2" charset="2"/>
-              <a:buChar char="ü"/>
-            </a:pPr>
-            <a:r>
-              <a:rPr lang="en-US" dirty="0"/>
-              <a:t> It’s free</a:t>
-            </a:r>
-          </a:p>
         </p:txBody>
       </p:sp>
     </p:spTree>
     <p:extLst>
       <p:ext uri="{BB962C8B-B14F-4D97-AF65-F5344CB8AC3E}">
-        <p14:creationId xmlns:p14="http://schemas.microsoft.com/office/powerpoint/2010/main" val="3052958924"/>
+        <p14:creationId xmlns:p14="http://schemas.microsoft.com/office/powerpoint/2010/main" val="1668580395"/>
       </p:ext>
     </p:extLst>
   </p:cSld>
@@ -9344,7 +9362,7 @@
           <a:p>
             <a:fld id="{44EB54D8-FB95-4977-A6B0-357A988F9391}" type="datetime1">
               <a:rPr lang="en-US" smtClean="0"/>
-              <a:t>7/24/2023</a:t>
+              <a:t>8/13/2024</a:t>
             </a:fld>
             <a:endParaRPr lang="en-US"/>
           </a:p>
@@ -9458,44 +9476,16 @@
           <a:lstStyle/>
           <a:p>
             <a:r>
-              <a:rPr lang="en-US" dirty="0">
-                <a:latin typeface="+mn-lt"/>
-              </a:rPr>
-              <a:t>Next Time </a:t>
-            </a:r>
-          </a:p>
-        </p:txBody>
-      </p:sp>
-      <p:sp>
-        <p:nvSpPr>
-          <p:cNvPr id="3" name="Content Placeholder 2">
-            <a:extLst>
-              <a:ext uri="{FF2B5EF4-FFF2-40B4-BE49-F238E27FC236}">
-                <a16:creationId xmlns:a16="http://schemas.microsoft.com/office/drawing/2014/main" id="{932735BF-A92E-B454-2F92-89B9BD8A2E91}"/>
-              </a:ext>
-            </a:extLst>
-          </p:cNvPr>
-          <p:cNvSpPr>
-            <a:spLocks noGrp="1"/>
-          </p:cNvSpPr>
-          <p:nvPr>
-            <p:ph idx="1"/>
-          </p:nvPr>
-        </p:nvSpPr>
-        <p:spPr>
-          <a:xfrm>
-            <a:off x="838200" y="1393100"/>
-            <a:ext cx="10515600" cy="4796785"/>
-          </a:xfrm>
-        </p:spPr>
-        <p:txBody>
-          <a:bodyPr/>
-          <a:lstStyle/>
-          <a:p>
-            <a:r>
               <a:rPr lang="en-US" dirty="0"/>
-              <a:t>Let’s talk about hydrology!</a:t>
-            </a:r>
+              <a:t>Google </a:t>
+            </a:r>
+            <a:r>
+              <a:rPr lang="en-US" dirty="0" err="1"/>
+              <a:t>Colab</a:t>
+            </a:r>
+            <a:endParaRPr lang="en-US" dirty="0">
+              <a:latin typeface="+mn-lt"/>
+            </a:endParaRPr>
           </a:p>
         </p:txBody>
       </p:sp>
@@ -9687,7 +9677,7 @@
           <a:p>
             <a:fld id="{44EB54D8-FB95-4977-A6B0-357A988F9391}" type="datetime1">
               <a:rPr lang="en-US" smtClean="0"/>
-              <a:t>7/24/2023</a:t>
+              <a:t>8/13/2024</a:t>
             </a:fld>
             <a:endParaRPr lang="en-US"/>
           </a:p>
@@ -9742,6 +9732,432 @@
             <a:fld id="{874324C0-6F8E-414F-AEC4-5ACC97FEFF88}" type="slidenum">
               <a:rPr lang="en-US" smtClean="0"/>
               <a:t>20</a:t>
+            </a:fld>
+            <a:endParaRPr lang="en-US"/>
+          </a:p>
+        </p:txBody>
+      </p:sp>
+      <p:sp>
+        <p:nvSpPr>
+          <p:cNvPr id="15" name="Content Placeholder 14">
+            <a:extLst>
+              <a:ext uri="{FF2B5EF4-FFF2-40B4-BE49-F238E27FC236}">
+                <a16:creationId xmlns:a16="http://schemas.microsoft.com/office/drawing/2014/main" id="{8D45C392-37EE-201A-DD34-F5DFE567C0E1}"/>
+              </a:ext>
+            </a:extLst>
+          </p:cNvPr>
+          <p:cNvSpPr>
+            <a:spLocks noGrp="1"/>
+          </p:cNvSpPr>
+          <p:nvPr>
+            <p:ph idx="1"/>
+          </p:nvPr>
+        </p:nvSpPr>
+        <p:spPr/>
+        <p:txBody>
+          <a:bodyPr/>
+          <a:lstStyle/>
+          <a:p>
+            <a:r>
+              <a:rPr lang="en-US" dirty="0"/>
+              <a:t>This is how we are going to do all our coding!</a:t>
+            </a:r>
+          </a:p>
+          <a:p>
+            <a:pPr marL="0" indent="0">
+              <a:buNone/>
+            </a:pPr>
+            <a:endParaRPr lang="en-US" dirty="0"/>
+          </a:p>
+          <a:p>
+            <a:pPr marL="0" indent="0">
+              <a:buNone/>
+            </a:pPr>
+            <a:r>
+              <a:rPr lang="en-US" b="1" dirty="0"/>
+              <a:t>Benefits:</a:t>
+            </a:r>
+          </a:p>
+          <a:p>
+            <a:pPr>
+              <a:buFont typeface="Wingdings" panose="05000000000000000000" pitchFamily="2" charset="2"/>
+              <a:buChar char="ü"/>
+            </a:pPr>
+            <a:r>
+              <a:rPr lang="en-US" dirty="0"/>
+              <a:t> No need to install Python or any other software</a:t>
+            </a:r>
+          </a:p>
+          <a:p>
+            <a:pPr>
+              <a:buFont typeface="Wingdings" panose="05000000000000000000" pitchFamily="2" charset="2"/>
+              <a:buChar char="ü"/>
+            </a:pPr>
+            <a:r>
+              <a:rPr lang="en-US" dirty="0"/>
+              <a:t> It’s easy to use</a:t>
+            </a:r>
+          </a:p>
+          <a:p>
+            <a:pPr>
+              <a:buFont typeface="Wingdings" panose="05000000000000000000" pitchFamily="2" charset="2"/>
+              <a:buChar char="ü"/>
+            </a:pPr>
+            <a:r>
+              <a:rPr lang="en-US" dirty="0"/>
+              <a:t> Your work can be saved on Google Drive</a:t>
+            </a:r>
+          </a:p>
+          <a:p>
+            <a:pPr>
+              <a:buFont typeface="Wingdings" panose="05000000000000000000" pitchFamily="2" charset="2"/>
+              <a:buChar char="ü"/>
+            </a:pPr>
+            <a:r>
+              <a:rPr lang="en-US" dirty="0"/>
+              <a:t> It’s free</a:t>
+            </a:r>
+          </a:p>
+        </p:txBody>
+      </p:sp>
+    </p:spTree>
+    <p:extLst>
+      <p:ext uri="{BB962C8B-B14F-4D97-AF65-F5344CB8AC3E}">
+        <p14:creationId xmlns:p14="http://schemas.microsoft.com/office/powerpoint/2010/main" val="3052958924"/>
+      </p:ext>
+    </p:extLst>
+  </p:cSld>
+  <p:clrMapOvr>
+    <a:masterClrMapping/>
+  </p:clrMapOvr>
+</p:sld>
+</file>
+
+<file path=ppt/slides/slide21.xml><?xml version="1.0" encoding="utf-8"?>
+<p:sld xmlns:a="http://schemas.openxmlformats.org/drawingml/2006/main" xmlns:r="http://schemas.openxmlformats.org/officeDocument/2006/relationships" xmlns:p="http://schemas.openxmlformats.org/presentationml/2006/main">
+  <p:cSld>
+    <p:spTree>
+      <p:nvGrpSpPr>
+        <p:cNvPr id="1" name=""/>
+        <p:cNvGrpSpPr/>
+        <p:nvPr/>
+      </p:nvGrpSpPr>
+      <p:grpSpPr>
+        <a:xfrm>
+          <a:off x="0" y="0"/>
+          <a:ext cx="0" cy="0"/>
+          <a:chOff x="0" y="0"/>
+          <a:chExt cx="0" cy="0"/>
+        </a:xfrm>
+      </p:grpSpPr>
+      <p:sp>
+        <p:nvSpPr>
+          <p:cNvPr id="2" name="Title 1">
+            <a:extLst>
+              <a:ext uri="{FF2B5EF4-FFF2-40B4-BE49-F238E27FC236}">
+                <a16:creationId xmlns:a16="http://schemas.microsoft.com/office/drawing/2014/main" id="{E6F2A796-5A7B-C5AF-85EB-9F30FED91B2E}"/>
+              </a:ext>
+            </a:extLst>
+          </p:cNvPr>
+          <p:cNvSpPr>
+            <a:spLocks noGrp="1"/>
+          </p:cNvSpPr>
+          <p:nvPr>
+            <p:ph type="title"/>
+          </p:nvPr>
+        </p:nvSpPr>
+        <p:spPr/>
+        <p:txBody>
+          <a:bodyPr>
+            <a:normAutofit fontScale="90000"/>
+          </a:bodyPr>
+          <a:lstStyle/>
+          <a:p>
+            <a:r>
+              <a:rPr lang="en-US" dirty="0">
+                <a:latin typeface="+mn-lt"/>
+              </a:rPr>
+              <a:t>Next Time </a:t>
+            </a:r>
+          </a:p>
+        </p:txBody>
+      </p:sp>
+      <p:sp>
+        <p:nvSpPr>
+          <p:cNvPr id="3" name="Content Placeholder 2">
+            <a:extLst>
+              <a:ext uri="{FF2B5EF4-FFF2-40B4-BE49-F238E27FC236}">
+                <a16:creationId xmlns:a16="http://schemas.microsoft.com/office/drawing/2014/main" id="{932735BF-A92E-B454-2F92-89B9BD8A2E91}"/>
+              </a:ext>
+            </a:extLst>
+          </p:cNvPr>
+          <p:cNvSpPr>
+            <a:spLocks noGrp="1"/>
+          </p:cNvSpPr>
+          <p:nvPr>
+            <p:ph idx="1"/>
+          </p:nvPr>
+        </p:nvSpPr>
+        <p:spPr>
+          <a:xfrm>
+            <a:off x="838200" y="1393100"/>
+            <a:ext cx="10515600" cy="4796785"/>
+          </a:xfrm>
+        </p:spPr>
+        <p:txBody>
+          <a:bodyPr/>
+          <a:lstStyle/>
+          <a:p>
+            <a:r>
+              <a:rPr lang="en-US" dirty="0"/>
+              <a:t>Let’s talk about hydrology!</a:t>
+            </a:r>
+          </a:p>
+        </p:txBody>
+      </p:sp>
+      <p:sp>
+        <p:nvSpPr>
+          <p:cNvPr id="4" name="Rectangle 3">
+            <a:extLst>
+              <a:ext uri="{FF2B5EF4-FFF2-40B4-BE49-F238E27FC236}">
+                <a16:creationId xmlns:a16="http://schemas.microsoft.com/office/drawing/2014/main" id="{E3CEEB05-4CB7-00F3-9EB2-846262DA9700}"/>
+              </a:ext>
+            </a:extLst>
+          </p:cNvPr>
+          <p:cNvSpPr/>
+          <p:nvPr/>
+        </p:nvSpPr>
+        <p:spPr>
+          <a:xfrm>
+            <a:off x="0" y="0"/>
+            <a:ext cx="12192000" cy="465221"/>
+          </a:xfrm>
+          <a:prstGeom prst="rect">
+            <a:avLst/>
+          </a:prstGeom>
+          <a:solidFill>
+            <a:srgbClr val="84C2D8"/>
+          </a:solidFill>
+          <a:ln>
+            <a:solidFill>
+              <a:srgbClr val="84C2D8"/>
+            </a:solidFill>
+          </a:ln>
+        </p:spPr>
+        <p:style>
+          <a:lnRef idx="2">
+            <a:schemeClr val="accent1">
+              <a:shade val="15000"/>
+            </a:schemeClr>
+          </a:lnRef>
+          <a:fillRef idx="1">
+            <a:schemeClr val="accent1"/>
+          </a:fillRef>
+          <a:effectRef idx="0">
+            <a:schemeClr val="accent1"/>
+          </a:effectRef>
+          <a:fontRef idx="minor">
+            <a:schemeClr val="lt1"/>
+          </a:fontRef>
+        </p:style>
+        <p:txBody>
+          <a:bodyPr rtlCol="0" anchor="ctr"/>
+          <a:lstStyle/>
+          <a:p>
+            <a:pPr algn="ctr"/>
+            <a:endParaRPr lang="en-US"/>
+          </a:p>
+        </p:txBody>
+      </p:sp>
+      <p:sp>
+        <p:nvSpPr>
+          <p:cNvPr id="5" name="TextBox 4">
+            <a:extLst>
+              <a:ext uri="{FF2B5EF4-FFF2-40B4-BE49-F238E27FC236}">
+                <a16:creationId xmlns:a16="http://schemas.microsoft.com/office/drawing/2014/main" id="{4E919011-CD86-9FC4-1233-40E6DB611146}"/>
+              </a:ext>
+            </a:extLst>
+          </p:cNvPr>
+          <p:cNvSpPr txBox="1"/>
+          <p:nvPr/>
+        </p:nvSpPr>
+        <p:spPr>
+          <a:xfrm>
+            <a:off x="838200" y="-31422"/>
+            <a:ext cx="5522495" cy="523220"/>
+          </a:xfrm>
+          <a:prstGeom prst="rect">
+            <a:avLst/>
+          </a:prstGeom>
+          <a:noFill/>
+        </p:spPr>
+        <p:txBody>
+          <a:bodyPr wrap="square" rtlCol="0">
+            <a:spAutoFit/>
+          </a:bodyPr>
+          <a:lstStyle/>
+          <a:p>
+            <a:r>
+              <a:rPr lang="en-US" sz="2800" b="1" i="1" dirty="0">
+                <a:ln w="3175">
+                  <a:noFill/>
+                </a:ln>
+                <a:solidFill>
+                  <a:schemeClr val="bg1"/>
+                </a:solidFill>
+                <a:effectLst>
+                  <a:outerShdw blurRad="50800" dist="38100" dir="2700000" sx="101000" sy="101000" algn="tl" rotWithShape="0">
+                    <a:prstClr val="black">
+                      <a:alpha val="54000"/>
+                    </a:prstClr>
+                  </a:outerShdw>
+                </a:effectLst>
+                <a:latin typeface="Bahnschrift Light" panose="020B0502040204020203" pitchFamily="34" charset="0"/>
+              </a:rPr>
+              <a:t>AquaticAlgorithms</a:t>
+            </a:r>
+            <a:endParaRPr lang="en-US" sz="2000" b="1" i="1" dirty="0">
+              <a:ln w="3175">
+                <a:noFill/>
+              </a:ln>
+              <a:solidFill>
+                <a:schemeClr val="bg1"/>
+              </a:solidFill>
+              <a:effectLst>
+                <a:outerShdw blurRad="50800" dist="38100" dir="2700000" sx="101000" sy="101000" algn="tl" rotWithShape="0">
+                  <a:prstClr val="black">
+                    <a:alpha val="54000"/>
+                  </a:prstClr>
+                </a:outerShdw>
+              </a:effectLst>
+              <a:latin typeface="Bahnschrift Light" panose="020B0502040204020203" pitchFamily="34" charset="0"/>
+            </a:endParaRPr>
+          </a:p>
+        </p:txBody>
+      </p:sp>
+      <p:cxnSp>
+        <p:nvCxnSpPr>
+          <p:cNvPr id="7" name="Straight Connector 6">
+            <a:extLst>
+              <a:ext uri="{FF2B5EF4-FFF2-40B4-BE49-F238E27FC236}">
+                <a16:creationId xmlns:a16="http://schemas.microsoft.com/office/drawing/2014/main" id="{04A69C9D-FA15-8D7C-BC0A-401B6B80F3B3}"/>
+              </a:ext>
+            </a:extLst>
+          </p:cNvPr>
+          <p:cNvCxnSpPr>
+            <a:cxnSpLocks/>
+          </p:cNvCxnSpPr>
+          <p:nvPr/>
+        </p:nvCxnSpPr>
+        <p:spPr>
+          <a:xfrm>
+            <a:off x="0" y="465221"/>
+            <a:ext cx="12192000" cy="0"/>
+          </a:xfrm>
+          <a:prstGeom prst="line">
+            <a:avLst/>
+          </a:prstGeom>
+          <a:ln w="19050">
+            <a:solidFill>
+              <a:schemeClr val="bg1">
+                <a:lumMod val="50000"/>
+              </a:schemeClr>
+            </a:solidFill>
+          </a:ln>
+        </p:spPr>
+        <p:style>
+          <a:lnRef idx="1">
+            <a:schemeClr val="accent1"/>
+          </a:lnRef>
+          <a:fillRef idx="0">
+            <a:schemeClr val="accent1"/>
+          </a:fillRef>
+          <a:effectRef idx="0">
+            <a:schemeClr val="accent1"/>
+          </a:effectRef>
+          <a:fontRef idx="minor">
+            <a:schemeClr val="tx1"/>
+          </a:fontRef>
+        </p:style>
+      </p:cxnSp>
+      <p:sp>
+        <p:nvSpPr>
+          <p:cNvPr id="11" name="Date Placeholder 10">
+            <a:extLst>
+              <a:ext uri="{FF2B5EF4-FFF2-40B4-BE49-F238E27FC236}">
+                <a16:creationId xmlns:a16="http://schemas.microsoft.com/office/drawing/2014/main" id="{D75B3316-1D66-5103-7052-5731749BF198}"/>
+              </a:ext>
+            </a:extLst>
+          </p:cNvPr>
+          <p:cNvSpPr>
+            <a:spLocks noGrp="1"/>
+          </p:cNvSpPr>
+          <p:nvPr>
+            <p:ph type="dt" sz="half" idx="10"/>
+          </p:nvPr>
+        </p:nvSpPr>
+        <p:spPr/>
+        <p:txBody>
+          <a:bodyPr/>
+          <a:lstStyle/>
+          <a:p>
+            <a:fld id="{44EB54D8-FB95-4977-A6B0-357A988F9391}" type="datetime1">
+              <a:rPr lang="en-US" smtClean="0"/>
+              <a:t>8/13/2024</a:t>
+            </a:fld>
+            <a:endParaRPr lang="en-US"/>
+          </a:p>
+        </p:txBody>
+      </p:sp>
+      <p:sp>
+        <p:nvSpPr>
+          <p:cNvPr id="12" name="Footer Placeholder 11">
+            <a:extLst>
+              <a:ext uri="{FF2B5EF4-FFF2-40B4-BE49-F238E27FC236}">
+                <a16:creationId xmlns:a16="http://schemas.microsoft.com/office/drawing/2014/main" id="{6C795D4F-3488-7A83-DD64-00817ABBB8C9}"/>
+              </a:ext>
+            </a:extLst>
+          </p:cNvPr>
+          <p:cNvSpPr>
+            <a:spLocks noGrp="1"/>
+          </p:cNvSpPr>
+          <p:nvPr>
+            <p:ph type="ftr" sz="quarter" idx="11"/>
+          </p:nvPr>
+        </p:nvSpPr>
+        <p:spPr/>
+        <p:txBody>
+          <a:bodyPr/>
+          <a:lstStyle/>
+          <a:p>
+            <a:endParaRPr lang="en-US"/>
+          </a:p>
+        </p:txBody>
+      </p:sp>
+      <p:sp>
+        <p:nvSpPr>
+          <p:cNvPr id="13" name="Slide Number Placeholder 12">
+            <a:extLst>
+              <a:ext uri="{FF2B5EF4-FFF2-40B4-BE49-F238E27FC236}">
+                <a16:creationId xmlns:a16="http://schemas.microsoft.com/office/drawing/2014/main" id="{22D2B6A9-734A-ED2C-B41A-744ACE4463E8}"/>
+              </a:ext>
+            </a:extLst>
+          </p:cNvPr>
+          <p:cNvSpPr>
+            <a:spLocks noGrp="1"/>
+          </p:cNvSpPr>
+          <p:nvPr>
+            <p:ph type="sldNum" sz="quarter" idx="12"/>
+          </p:nvPr>
+        </p:nvSpPr>
+        <p:spPr/>
+        <p:txBody>
+          <a:bodyPr/>
+          <a:lstStyle/>
+          <a:p>
+            <a:fld id="{874324C0-6F8E-414F-AEC4-5ACC97FEFF88}" type="slidenum">
+              <a:rPr lang="en-US" smtClean="0"/>
+              <a:t>21</a:t>
             </a:fld>
             <a:endParaRPr lang="en-US"/>
           </a:p>
@@ -10365,7 +10781,7 @@
           <a:p>
             <a:fld id="{44EB54D8-FB95-4977-A6B0-357A988F9391}" type="datetime1">
               <a:rPr lang="en-US" smtClean="0"/>
-              <a:t>7/24/2023</a:t>
+              <a:t>8/13/2024</a:t>
             </a:fld>
             <a:endParaRPr lang="en-US"/>
           </a:p>
@@ -10427,10 +10843,10 @@
       </p:sp>
       <p:sp>
         <p:nvSpPr>
-          <p:cNvPr id="15" name="Content Placeholder 14">
-            <a:extLst>
-              <a:ext uri="{FF2B5EF4-FFF2-40B4-BE49-F238E27FC236}">
-                <a16:creationId xmlns:a16="http://schemas.microsoft.com/office/drawing/2014/main" id="{8D45C392-37EE-201A-DD34-F5DFE567C0E1}"/>
+          <p:cNvPr id="21" name="Content Placeholder 2">
+            <a:extLst>
+              <a:ext uri="{FF2B5EF4-FFF2-40B4-BE49-F238E27FC236}">
+                <a16:creationId xmlns:a16="http://schemas.microsoft.com/office/drawing/2014/main" id="{6AB9D05E-1F94-E593-2E73-F75D7BA6094D}"/>
               </a:ext>
             </a:extLst>
           </p:cNvPr>
@@ -10441,15 +10857,289 @@
             <p:ph idx="1"/>
           </p:nvPr>
         </p:nvSpPr>
-        <p:spPr/>
-        <p:txBody>
-          <a:bodyPr/>
-          <a:lstStyle/>
-          <a:p>
-            <a:endParaRPr lang="en-US"/>
-          </a:p>
-        </p:txBody>
-      </p:sp>
+        <p:spPr>
+          <a:xfrm>
+            <a:off x="637478" y="1200791"/>
+            <a:ext cx="10515600" cy="3178805"/>
+          </a:xfrm>
+        </p:spPr>
+        <p:txBody>
+          <a:bodyPr>
+            <a:normAutofit/>
+          </a:bodyPr>
+          <a:lstStyle/>
+          <a:p>
+            <a:pPr marL="0" indent="0" algn="ctr">
+              <a:buNone/>
+            </a:pPr>
+            <a:r>
+              <a:rPr lang="en-US" sz="4000" dirty="0"/>
+              <a:t>University of New Mexico</a:t>
+            </a:r>
+          </a:p>
+          <a:p>
+            <a:pPr marL="0" indent="0">
+              <a:buNone/>
+            </a:pPr>
+            <a:r>
+              <a:rPr lang="en-US" sz="3200" dirty="0"/>
+              <a:t>B.S. Civil Engineering with emphasis in Water Resources</a:t>
+            </a:r>
+          </a:p>
+          <a:p>
+            <a:pPr marL="0" indent="0">
+              <a:buNone/>
+            </a:pPr>
+            <a:r>
+              <a:rPr lang="en-US" sz="3200" dirty="0"/>
+              <a:t>Minor in Interdisciplinary Liberal Arts</a:t>
+            </a:r>
+          </a:p>
+          <a:p>
+            <a:pPr marL="0" indent="0">
+              <a:buNone/>
+            </a:pPr>
+            <a:endParaRPr lang="en-US" sz="3200" dirty="0"/>
+          </a:p>
+          <a:p>
+            <a:pPr marL="0" indent="0">
+              <a:buNone/>
+            </a:pPr>
+            <a:r>
+              <a:rPr lang="en-US" sz="3200" dirty="0"/>
+              <a:t>Extracurriculars:</a:t>
+            </a:r>
+          </a:p>
+        </p:txBody>
+      </p:sp>
+      <p:pic>
+        <p:nvPicPr>
+          <p:cNvPr id="22" name="Picture 2">
+            <a:extLst>
+              <a:ext uri="{FF2B5EF4-FFF2-40B4-BE49-F238E27FC236}">
+                <a16:creationId xmlns:a16="http://schemas.microsoft.com/office/drawing/2014/main" id="{F71C5A83-7C86-7BF1-CE04-2AD8B03F17AB}"/>
+              </a:ext>
+            </a:extLst>
+          </p:cNvPr>
+          <p:cNvPicPr>
+            <a:picLocks noChangeAspect="1" noChangeArrowheads="1"/>
+          </p:cNvPicPr>
+          <p:nvPr/>
+        </p:nvPicPr>
+        <p:blipFill>
+          <a:blip r:embed="rId2">
+            <a:extLst>
+              <a:ext uri="{28A0092B-C50C-407E-A947-70E740481C1C}">
+                <a14:useLocalDpi xmlns:a14="http://schemas.microsoft.com/office/drawing/2010/main" val="0"/>
+              </a:ext>
+            </a:extLst>
+          </a:blip>
+          <a:srcRect/>
+          <a:stretch>
+            <a:fillRect/>
+          </a:stretch>
+        </p:blipFill>
+        <p:spPr bwMode="auto">
+          <a:xfrm>
+            <a:off x="10160012" y="1162740"/>
+            <a:ext cx="1831266" cy="1389553"/>
+          </a:xfrm>
+          <a:prstGeom prst="rect">
+            <a:avLst/>
+          </a:prstGeom>
+          <a:noFill/>
+          <a:extLst>
+            <a:ext uri="{909E8E84-426E-40DD-AFC4-6F175D3DCCD1}">
+              <a14:hiddenFill xmlns:a14="http://schemas.microsoft.com/office/drawing/2010/main">
+                <a:solidFill>
+                  <a:srgbClr val="FFFFFF"/>
+                </a:solidFill>
+              </a14:hiddenFill>
+            </a:ext>
+          </a:extLst>
+        </p:spPr>
+      </p:pic>
+      <p:pic>
+        <p:nvPicPr>
+          <p:cNvPr id="23" name="Picture 2">
+            <a:extLst>
+              <a:ext uri="{FF2B5EF4-FFF2-40B4-BE49-F238E27FC236}">
+                <a16:creationId xmlns:a16="http://schemas.microsoft.com/office/drawing/2014/main" id="{8AFE9839-6579-81B7-21F0-793E1E8CD2DD}"/>
+              </a:ext>
+            </a:extLst>
+          </p:cNvPr>
+          <p:cNvPicPr>
+            <a:picLocks noChangeAspect="1" noChangeArrowheads="1"/>
+          </p:cNvPicPr>
+          <p:nvPr/>
+        </p:nvPicPr>
+        <p:blipFill>
+          <a:blip r:embed="rId3">
+            <a:extLst>
+              <a:ext uri="{28A0092B-C50C-407E-A947-70E740481C1C}">
+                <a14:useLocalDpi xmlns:a14="http://schemas.microsoft.com/office/drawing/2010/main" val="0"/>
+              </a:ext>
+            </a:extLst>
+          </a:blip>
+          <a:srcRect/>
+          <a:stretch>
+            <a:fillRect/>
+          </a:stretch>
+        </p:blipFill>
+        <p:spPr bwMode="auto">
+          <a:xfrm>
+            <a:off x="4907061" y="4379596"/>
+            <a:ext cx="1538287" cy="1538287"/>
+          </a:xfrm>
+          <a:prstGeom prst="rect">
+            <a:avLst/>
+          </a:prstGeom>
+          <a:noFill/>
+          <a:extLst>
+            <a:ext uri="{909E8E84-426E-40DD-AFC4-6F175D3DCCD1}">
+              <a14:hiddenFill xmlns:a14="http://schemas.microsoft.com/office/drawing/2010/main">
+                <a:solidFill>
+                  <a:srgbClr val="FFFFFF"/>
+                </a:solidFill>
+              </a14:hiddenFill>
+            </a:ext>
+          </a:extLst>
+        </p:spPr>
+      </p:pic>
+      <p:pic>
+        <p:nvPicPr>
+          <p:cNvPr id="24" name="Picture 6">
+            <a:extLst>
+              <a:ext uri="{FF2B5EF4-FFF2-40B4-BE49-F238E27FC236}">
+                <a16:creationId xmlns:a16="http://schemas.microsoft.com/office/drawing/2014/main" id="{A62DC959-1CCE-9864-CF7E-155CF39C2CEC}"/>
+              </a:ext>
+            </a:extLst>
+          </p:cNvPr>
+          <p:cNvPicPr>
+            <a:picLocks noChangeAspect="1" noChangeArrowheads="1"/>
+          </p:cNvPicPr>
+          <p:nvPr/>
+        </p:nvPicPr>
+        <p:blipFill>
+          <a:blip r:embed="rId4">
+            <a:extLst>
+              <a:ext uri="{28A0092B-C50C-407E-A947-70E740481C1C}">
+                <a14:useLocalDpi xmlns:a14="http://schemas.microsoft.com/office/drawing/2010/main" val="0"/>
+              </a:ext>
+            </a:extLst>
+          </a:blip>
+          <a:srcRect/>
+          <a:stretch>
+            <a:fillRect/>
+          </a:stretch>
+        </p:blipFill>
+        <p:spPr bwMode="auto">
+          <a:xfrm>
+            <a:off x="7751014" y="4568215"/>
+            <a:ext cx="2491210" cy="1384006"/>
+          </a:xfrm>
+          <a:prstGeom prst="rect">
+            <a:avLst/>
+          </a:prstGeom>
+          <a:noFill/>
+          <a:extLst>
+            <a:ext uri="{909E8E84-426E-40DD-AFC4-6F175D3DCCD1}">
+              <a14:hiddenFill xmlns:a14="http://schemas.microsoft.com/office/drawing/2010/main">
+                <a:solidFill>
+                  <a:srgbClr val="FFFFFF"/>
+                </a:solidFill>
+              </a14:hiddenFill>
+            </a:ext>
+          </a:extLst>
+        </p:spPr>
+      </p:pic>
+      <p:sp>
+        <p:nvSpPr>
+          <p:cNvPr id="25" name="TextBox 24">
+            <a:extLst>
+              <a:ext uri="{FF2B5EF4-FFF2-40B4-BE49-F238E27FC236}">
+                <a16:creationId xmlns:a16="http://schemas.microsoft.com/office/drawing/2014/main" id="{8832C139-2E0C-D08A-4929-8A870639FB0E}"/>
+              </a:ext>
+            </a:extLst>
+          </p:cNvPr>
+          <p:cNvSpPr txBox="1"/>
+          <p:nvPr/>
+        </p:nvSpPr>
+        <p:spPr>
+          <a:xfrm>
+            <a:off x="4948731" y="5737170"/>
+            <a:ext cx="1454945" cy="369332"/>
+          </a:xfrm>
+          <a:prstGeom prst="rect">
+            <a:avLst/>
+          </a:prstGeom>
+          <a:noFill/>
+        </p:spPr>
+        <p:txBody>
+          <a:bodyPr wrap="square" rtlCol="0">
+            <a:spAutoFit/>
+          </a:bodyPr>
+          <a:lstStyle/>
+          <a:p>
+            <a:pPr algn="ctr"/>
+            <a:r>
+              <a:rPr lang="en-US" dirty="0">
+                <a:solidFill>
+                  <a:srgbClr val="C00000"/>
+                </a:solidFill>
+              </a:rPr>
+              <a:t>UNM4Nepal</a:t>
+            </a:r>
+          </a:p>
+        </p:txBody>
+      </p:sp>
+      <p:pic>
+        <p:nvPicPr>
+          <p:cNvPr id="26" name="Picture 4">
+            <a:extLst>
+              <a:ext uri="{FF2B5EF4-FFF2-40B4-BE49-F238E27FC236}">
+                <a16:creationId xmlns:a16="http://schemas.microsoft.com/office/drawing/2014/main" id="{A57BA087-FBA2-7576-9312-1F3CBA781659}"/>
+              </a:ext>
+            </a:extLst>
+          </p:cNvPr>
+          <p:cNvPicPr>
+            <a:picLocks noChangeAspect="1" noChangeArrowheads="1"/>
+          </p:cNvPicPr>
+          <p:nvPr/>
+        </p:nvPicPr>
+        <p:blipFill>
+          <a:blip r:embed="rId5">
+            <a:extLst>
+              <a:ext uri="{28A0092B-C50C-407E-A947-70E740481C1C}">
+                <a14:useLocalDpi xmlns:a14="http://schemas.microsoft.com/office/drawing/2010/main" val="0"/>
+              </a:ext>
+            </a:extLst>
+          </a:blip>
+          <a:srcRect/>
+          <a:stretch>
+            <a:fillRect/>
+          </a:stretch>
+        </p:blipFill>
+        <p:spPr bwMode="auto">
+          <a:xfrm>
+            <a:off x="1305273" y="4031406"/>
+            <a:ext cx="2376488" cy="2376488"/>
+          </a:xfrm>
+          <a:prstGeom prst="rect">
+            <a:avLst/>
+          </a:prstGeom>
+          <a:noFill/>
+          <a:extLst>
+            <a:ext uri="{909E8E84-426E-40DD-AFC4-6F175D3DCCD1}">
+              <a14:hiddenFill xmlns:a14="http://schemas.microsoft.com/office/drawing/2010/main">
+                <a:solidFill>
+                  <a:srgbClr val="FFFFFF"/>
+                </a:solidFill>
+              </a14:hiddenFill>
+            </a:ext>
+          </a:extLst>
+        </p:spPr>
+      </p:pic>
     </p:spTree>
     <p:extLst>
       <p:ext uri="{BB962C8B-B14F-4D97-AF65-F5344CB8AC3E}">
@@ -10504,11 +11194,16 @@
           <a:lstStyle/>
           <a:p>
             <a:r>
-              <a:rPr lang="en-US" dirty="0">
-                <a:latin typeface="+mn-lt"/>
-              </a:rPr>
-              <a:t>Program Goals</a:t>
-            </a:r>
+              <a:rPr lang="en-US" dirty="0"/>
+              <a:t>About Me: </a:t>
+            </a:r>
+            <a:r>
+              <a:rPr lang="en-US" i="1" dirty="0"/>
+              <a:t>Trevor</a:t>
+            </a:r>
+            <a:endParaRPr lang="en-US" i="1" dirty="0">
+              <a:latin typeface="+mn-lt"/>
+            </a:endParaRPr>
           </a:p>
         </p:txBody>
       </p:sp>
@@ -10700,7 +11395,7 @@
           <a:p>
             <a:fld id="{44EB54D8-FB95-4977-A6B0-357A988F9391}" type="datetime1">
               <a:rPr lang="en-US" smtClean="0"/>
-              <a:t>7/24/2023</a:t>
+              <a:t>8/13/2024</a:t>
             </a:fld>
             <a:endParaRPr lang="en-US"/>
           </a:p>
@@ -10762,10 +11457,10 @@
       </p:sp>
       <p:sp>
         <p:nvSpPr>
-          <p:cNvPr id="15" name="Content Placeholder 14">
-            <a:extLst>
-              <a:ext uri="{FF2B5EF4-FFF2-40B4-BE49-F238E27FC236}">
-                <a16:creationId xmlns:a16="http://schemas.microsoft.com/office/drawing/2014/main" id="{8D45C392-37EE-201A-DD34-F5DFE567C0E1}"/>
+          <p:cNvPr id="3" name="Content Placeholder 2">
+            <a:extLst>
+              <a:ext uri="{FF2B5EF4-FFF2-40B4-BE49-F238E27FC236}">
+                <a16:creationId xmlns:a16="http://schemas.microsoft.com/office/drawing/2014/main" id="{B918CB5A-30F5-1A16-ED80-8FD5E6E93504}"/>
               </a:ext>
             </a:extLst>
           </p:cNvPr>
@@ -10776,102 +11471,299 @@
             <p:ph idx="1"/>
           </p:nvPr>
         </p:nvSpPr>
-        <p:spPr/>
+        <p:spPr>
+          <a:xfrm>
+            <a:off x="2450138" y="1353602"/>
+            <a:ext cx="9481457" cy="4593773"/>
+          </a:xfrm>
+        </p:spPr>
         <p:txBody>
           <a:bodyPr>
             <a:normAutofit lnSpcReduction="10000"/>
           </a:bodyPr>
           <a:lstStyle/>
           <a:p>
+            <a:pPr marL="0" indent="0">
+              <a:buNone/>
+            </a:pPr>
             <a:r>
               <a:rPr lang="en-US" dirty="0"/>
-              <a:t>Learn about the complexity of climate, hydrology, and their interactions with the human environment.</a:t>
-            </a:r>
-          </a:p>
-          <a:p>
+              <a:t>Albuquerque Mid-Region Council of Governments</a:t>
+            </a:r>
+          </a:p>
+          <a:p>
+            <a:pPr lvl="1"/>
             <a:r>
               <a:rPr lang="en-US" dirty="0"/>
-              <a:t>Learn about the role of water resource engineers, data science, and environmental modeling in the environmental management.</a:t>
-            </a:r>
-          </a:p>
-          <a:p>
+              <a:t>Bicycle transportation infrastructure</a:t>
+            </a:r>
+          </a:p>
+          <a:p>
+            <a:pPr marL="457200" lvl="1" indent="0">
+              <a:buNone/>
+            </a:pPr>
+            <a:endParaRPr lang="en-US" dirty="0"/>
+          </a:p>
+          <a:p>
+            <a:pPr marL="0" indent="0">
+              <a:buNone/>
+            </a:pPr>
             <a:r>
               <a:rPr lang="en-US" dirty="0"/>
-              <a:t>Become comfortable with basic coding practices and concepts; be able to interpret, run, and write beginner-level Python code.</a:t>
-            </a:r>
-          </a:p>
-          <a:p>
+              <a:t>UNM Center for Water &amp; the Environment</a:t>
+            </a:r>
+          </a:p>
+          <a:p>
+            <a:pPr lvl="1"/>
             <a:r>
               <a:rPr lang="en-US" dirty="0"/>
-              <a:t>Gain familiarity with probability and statistics concepts, how they can be used in environmental studies, and how to use code to measure them.</a:t>
-            </a:r>
-          </a:p>
-          <a:p>
+              <a:t>Nutrient dynamics in headwater streams</a:t>
+            </a:r>
+          </a:p>
+          <a:p>
+            <a:pPr marL="457200" lvl="1" indent="0">
+              <a:buNone/>
+            </a:pPr>
+            <a:endParaRPr lang="en-US" dirty="0"/>
+          </a:p>
+          <a:p>
+            <a:pPr marL="0" indent="0">
+              <a:buNone/>
+            </a:pPr>
             <a:r>
               <a:rPr lang="en-US" dirty="0"/>
-              <a:t>Complete a case study for a student-chosen location of interest, focused on the unique interactions between the hydrology and the human system.</a:t>
-            </a:r>
-          </a:p>
-        </p:txBody>
-      </p:sp>
-      <p:sp>
-        <p:nvSpPr>
-          <p:cNvPr id="6" name="Rectangle 5">
-            <a:extLst>
-              <a:ext uri="{FF2B5EF4-FFF2-40B4-BE49-F238E27FC236}">
-                <a16:creationId xmlns:a16="http://schemas.microsoft.com/office/drawing/2014/main" id="{12F04B07-0492-A288-7EE5-963002A75A67}"/>
-              </a:ext>
-            </a:extLst>
-          </p:cNvPr>
-          <p:cNvSpPr/>
+              <a:t>Virginia Tech Institute for Critical Technology &amp; Applied Science</a:t>
+            </a:r>
+          </a:p>
+          <a:p>
+            <a:pPr lvl="1"/>
+            <a:r>
+              <a:rPr lang="en-US" dirty="0"/>
+              <a:t>Peatland hydrology &amp; restoration </a:t>
+            </a:r>
+          </a:p>
+          <a:p>
+            <a:pPr marL="457200" lvl="1" indent="0">
+              <a:buNone/>
+            </a:pPr>
+            <a:endParaRPr lang="en-US" dirty="0"/>
+          </a:p>
+          <a:p>
+            <a:pPr marL="0" indent="0">
+              <a:buNone/>
+            </a:pPr>
+            <a:r>
+              <a:rPr lang="en-US" dirty="0"/>
+              <a:t>Brackish Groundwater National Desalination Research Facility</a:t>
+            </a:r>
+          </a:p>
+          <a:p>
+            <a:pPr lvl="1"/>
+            <a:r>
+              <a:rPr lang="en-US" dirty="0"/>
+              <a:t>Desalination &amp; saline waste disposal in Southern NM</a:t>
+            </a:r>
+          </a:p>
+          <a:p>
+            <a:pPr marL="0" indent="0">
+              <a:buNone/>
+            </a:pPr>
+            <a:endParaRPr lang="en-US" dirty="0"/>
+          </a:p>
+        </p:txBody>
+      </p:sp>
+      <p:pic>
+        <p:nvPicPr>
+          <p:cNvPr id="6" name="Picture 2">
+            <a:extLst>
+              <a:ext uri="{FF2B5EF4-FFF2-40B4-BE49-F238E27FC236}">
+                <a16:creationId xmlns:a16="http://schemas.microsoft.com/office/drawing/2014/main" id="{95E8622D-A08D-2B5D-53A4-D822F1C3793B}"/>
+              </a:ext>
+            </a:extLst>
+          </p:cNvPr>
+          <p:cNvPicPr>
+            <a:picLocks noChangeAspect="1" noChangeArrowheads="1"/>
+          </p:cNvPicPr>
           <p:nvPr/>
-        </p:nvSpPr>
-        <p:spPr>
-          <a:xfrm>
-            <a:off x="465221" y="2059460"/>
-            <a:ext cx="10659979" cy="4052576"/>
+        </p:nvPicPr>
+        <p:blipFill>
+          <a:blip r:embed="rId2">
+            <a:extLst>
+              <a:ext uri="{28A0092B-C50C-407E-A947-70E740481C1C}">
+                <a14:useLocalDpi xmlns:a14="http://schemas.microsoft.com/office/drawing/2010/main" val="0"/>
+              </a:ext>
+            </a:extLst>
+          </a:blip>
+          <a:srcRect/>
+          <a:stretch>
+            <a:fillRect/>
+          </a:stretch>
+        </p:blipFill>
+        <p:spPr bwMode="auto">
+          <a:xfrm>
+            <a:off x="547555" y="3730219"/>
+            <a:ext cx="1459657" cy="747584"/>
           </a:xfrm>
           <a:prstGeom prst="rect">
             <a:avLst/>
           </a:prstGeom>
-          <a:solidFill>
-            <a:srgbClr val="FFFFFF"/>
-          </a:solidFill>
-          <a:ln>
-            <a:solidFill>
-              <a:schemeClr val="bg1"/>
-            </a:solidFill>
-          </a:ln>
-        </p:spPr>
-        <p:style>
-          <a:lnRef idx="2">
-            <a:schemeClr val="accent1">
-              <a:shade val="15000"/>
-            </a:schemeClr>
-          </a:lnRef>
-          <a:fillRef idx="1">
-            <a:schemeClr val="accent1"/>
-          </a:fillRef>
-          <a:effectRef idx="0">
-            <a:schemeClr val="accent1"/>
-          </a:effectRef>
-          <a:fontRef idx="minor">
-            <a:schemeClr val="lt1"/>
-          </a:fontRef>
-        </p:style>
-        <p:txBody>
-          <a:bodyPr rtlCol="0" anchor="ctr"/>
-          <a:lstStyle/>
-          <a:p>
-            <a:pPr algn="ctr"/>
-            <a:endParaRPr lang="en-US"/>
-          </a:p>
-        </p:txBody>
-      </p:sp>
+          <a:noFill/>
+          <a:extLst>
+            <a:ext uri="{909E8E84-426E-40DD-AFC4-6F175D3DCCD1}">
+              <a14:hiddenFill xmlns:a14="http://schemas.microsoft.com/office/drawing/2010/main">
+                <a:solidFill>
+                  <a:srgbClr val="FFFFFF"/>
+                </a:solidFill>
+              </a14:hiddenFill>
+            </a:ext>
+          </a:extLst>
+        </p:spPr>
+      </p:pic>
+      <p:pic>
+        <p:nvPicPr>
+          <p:cNvPr id="8" name="Picture 4">
+            <a:extLst>
+              <a:ext uri="{FF2B5EF4-FFF2-40B4-BE49-F238E27FC236}">
+                <a16:creationId xmlns:a16="http://schemas.microsoft.com/office/drawing/2014/main" id="{211003F8-89DE-7A23-E084-31D38B752595}"/>
+              </a:ext>
+            </a:extLst>
+          </p:cNvPr>
+          <p:cNvPicPr>
+            <a:picLocks noChangeAspect="1" noChangeArrowheads="1"/>
+          </p:cNvPicPr>
+          <p:nvPr/>
+        </p:nvPicPr>
+        <p:blipFill>
+          <a:blip r:embed="rId3">
+            <a:extLst>
+              <a:ext uri="{28A0092B-C50C-407E-A947-70E740481C1C}">
+                <a14:useLocalDpi xmlns:a14="http://schemas.microsoft.com/office/drawing/2010/main" val="0"/>
+              </a:ext>
+            </a:extLst>
+          </a:blip>
+          <a:srcRect/>
+          <a:stretch>
+            <a:fillRect/>
+          </a:stretch>
+        </p:blipFill>
+        <p:spPr bwMode="auto">
+          <a:xfrm>
+            <a:off x="756350" y="1186038"/>
+            <a:ext cx="1042066" cy="1042066"/>
+          </a:xfrm>
+          <a:prstGeom prst="rect">
+            <a:avLst/>
+          </a:prstGeom>
+          <a:noFill/>
+          <a:extLst>
+            <a:ext uri="{909E8E84-426E-40DD-AFC4-6F175D3DCCD1}">
+              <a14:hiddenFill xmlns:a14="http://schemas.microsoft.com/office/drawing/2010/main">
+                <a:solidFill>
+                  <a:srgbClr val="FFFFFF"/>
+                </a:solidFill>
+              </a14:hiddenFill>
+            </a:ext>
+          </a:extLst>
+        </p:spPr>
+      </p:pic>
+      <p:pic>
+        <p:nvPicPr>
+          <p:cNvPr id="9" name="Picture 8">
+            <a:extLst>
+              <a:ext uri="{FF2B5EF4-FFF2-40B4-BE49-F238E27FC236}">
+                <a16:creationId xmlns:a16="http://schemas.microsoft.com/office/drawing/2014/main" id="{4BBF0AC9-2467-0551-2F0A-4601C9BAEBC7}"/>
+              </a:ext>
+            </a:extLst>
+          </p:cNvPr>
+          <p:cNvPicPr>
+            <a:picLocks noChangeAspect="1" noChangeArrowheads="1"/>
+          </p:cNvPicPr>
+          <p:nvPr/>
+        </p:nvPicPr>
+        <p:blipFill>
+          <a:blip r:embed="rId4">
+            <a:extLst>
+              <a:ext uri="{28A0092B-C50C-407E-A947-70E740481C1C}">
+                <a14:useLocalDpi xmlns:a14="http://schemas.microsoft.com/office/drawing/2010/main" val="0"/>
+              </a:ext>
+            </a:extLst>
+          </a:blip>
+          <a:srcRect/>
+          <a:stretch>
+            <a:fillRect/>
+          </a:stretch>
+        </p:blipFill>
+        <p:spPr bwMode="auto">
+          <a:xfrm>
+            <a:off x="805136" y="4693476"/>
+            <a:ext cx="944494" cy="1105909"/>
+          </a:xfrm>
+          <a:prstGeom prst="rect">
+            <a:avLst/>
+          </a:prstGeom>
+          <a:noFill/>
+          <a:extLst>
+            <a:ext uri="{909E8E84-426E-40DD-AFC4-6F175D3DCCD1}">
+              <a14:hiddenFill xmlns:a14="http://schemas.microsoft.com/office/drawing/2010/main">
+                <a:solidFill>
+                  <a:srgbClr val="FFFFFF"/>
+                </a:solidFill>
+              </a14:hiddenFill>
+            </a:ext>
+          </a:extLst>
+        </p:spPr>
+      </p:pic>
+      <p:pic>
+        <p:nvPicPr>
+          <p:cNvPr id="10" name="Picture 10">
+            <a:extLst>
+              <a:ext uri="{FF2B5EF4-FFF2-40B4-BE49-F238E27FC236}">
+                <a16:creationId xmlns:a16="http://schemas.microsoft.com/office/drawing/2014/main" id="{B4C29D73-6CBA-0914-8C53-86AED3A7966C}"/>
+              </a:ext>
+            </a:extLst>
+          </p:cNvPr>
+          <p:cNvPicPr>
+            <a:picLocks noChangeAspect="1" noChangeArrowheads="1"/>
+          </p:cNvPicPr>
+          <p:nvPr/>
+        </p:nvPicPr>
+        <p:blipFill>
+          <a:blip r:embed="rId5">
+            <a:extLst>
+              <a:ext uri="{28A0092B-C50C-407E-A947-70E740481C1C}">
+                <a14:useLocalDpi xmlns:a14="http://schemas.microsoft.com/office/drawing/2010/main" val="0"/>
+              </a:ext>
+            </a:extLst>
+          </a:blip>
+          <a:srcRect/>
+          <a:stretch>
+            <a:fillRect/>
+          </a:stretch>
+        </p:blipFill>
+        <p:spPr bwMode="auto">
+          <a:xfrm>
+            <a:off x="451587" y="2261328"/>
+            <a:ext cx="1651592" cy="1253218"/>
+          </a:xfrm>
+          <a:prstGeom prst="rect">
+            <a:avLst/>
+          </a:prstGeom>
+          <a:noFill/>
+          <a:extLst>
+            <a:ext uri="{909E8E84-426E-40DD-AFC4-6F175D3DCCD1}">
+              <a14:hiddenFill xmlns:a14="http://schemas.microsoft.com/office/drawing/2010/main">
+                <a:solidFill>
+                  <a:srgbClr val="FFFFFF"/>
+                </a:solidFill>
+              </a14:hiddenFill>
+            </a:ext>
+          </a:extLst>
+        </p:spPr>
+      </p:pic>
     </p:spTree>
     <p:extLst>
       <p:ext uri="{BB962C8B-B14F-4D97-AF65-F5344CB8AC3E}">
-        <p14:creationId xmlns:p14="http://schemas.microsoft.com/office/powerpoint/2010/main" val="4079478055"/>
+        <p14:creationId xmlns:p14="http://schemas.microsoft.com/office/powerpoint/2010/main" val="155700763"/>
       </p:ext>
     </p:extLst>
   </p:cSld>
@@ -11118,7 +12010,7 @@
           <a:p>
             <a:fld id="{44EB54D8-FB95-4977-A6B0-357A988F9391}" type="datetime1">
               <a:rPr lang="en-US" smtClean="0"/>
-              <a:t>7/24/2023</a:t>
+              <a:t>8/13/2024</a:t>
             </a:fld>
             <a:endParaRPr lang="en-US"/>
           </a:p>
@@ -11234,10 +12126,10 @@
       </p:sp>
       <p:sp>
         <p:nvSpPr>
-          <p:cNvPr id="3" name="Rectangle 2">
-            <a:extLst>
-              <a:ext uri="{FF2B5EF4-FFF2-40B4-BE49-F238E27FC236}">
-                <a16:creationId xmlns:a16="http://schemas.microsoft.com/office/drawing/2014/main" id="{CCACDE1B-00EE-53FA-285A-51303CBF7327}"/>
+          <p:cNvPr id="6" name="Rectangle 5">
+            <a:extLst>
+              <a:ext uri="{FF2B5EF4-FFF2-40B4-BE49-F238E27FC236}">
+                <a16:creationId xmlns:a16="http://schemas.microsoft.com/office/drawing/2014/main" id="{12F04B07-0492-A288-7EE5-963002A75A67}"/>
               </a:ext>
             </a:extLst>
           </p:cNvPr>
@@ -11246,16 +12138,14 @@
         </p:nvSpPr>
         <p:spPr>
           <a:xfrm>
-            <a:off x="737937" y="1380178"/>
-            <a:ext cx="10988842" cy="687517"/>
+            <a:off x="465221" y="2059460"/>
+            <a:ext cx="10659979" cy="4052576"/>
           </a:xfrm>
           <a:prstGeom prst="rect">
             <a:avLst/>
           </a:prstGeom>
           <a:solidFill>
-            <a:srgbClr val="FFFFFF">
-              <a:alpha val="80000"/>
-            </a:srgbClr>
+            <a:srgbClr val="FFFFFF"/>
           </a:solidFill>
           <a:ln>
             <a:solidFill>
@@ -11288,64 +12178,10 @@
           </a:p>
         </p:txBody>
       </p:sp>
-      <p:sp>
-        <p:nvSpPr>
-          <p:cNvPr id="6" name="Rectangle 5">
-            <a:extLst>
-              <a:ext uri="{FF2B5EF4-FFF2-40B4-BE49-F238E27FC236}">
-                <a16:creationId xmlns:a16="http://schemas.microsoft.com/office/drawing/2014/main" id="{12F04B07-0492-A288-7EE5-963002A75A67}"/>
-              </a:ext>
-            </a:extLst>
-          </p:cNvPr>
-          <p:cNvSpPr/>
-          <p:nvPr/>
-        </p:nvSpPr>
-        <p:spPr>
-          <a:xfrm>
-            <a:off x="465221" y="2875010"/>
-            <a:ext cx="10659979" cy="3237026"/>
-          </a:xfrm>
-          <a:prstGeom prst="rect">
-            <a:avLst/>
-          </a:prstGeom>
-          <a:solidFill>
-            <a:srgbClr val="FFFFFF"/>
-          </a:solidFill>
-          <a:ln>
-            <a:solidFill>
-              <a:schemeClr val="bg1"/>
-            </a:solidFill>
-          </a:ln>
-        </p:spPr>
-        <p:style>
-          <a:lnRef idx="2">
-            <a:schemeClr val="accent1">
-              <a:shade val="15000"/>
-            </a:schemeClr>
-          </a:lnRef>
-          <a:fillRef idx="1">
-            <a:schemeClr val="accent1"/>
-          </a:fillRef>
-          <a:effectRef idx="0">
-            <a:schemeClr val="accent1"/>
-          </a:effectRef>
-          <a:fontRef idx="minor">
-            <a:schemeClr val="lt1"/>
-          </a:fontRef>
-        </p:style>
-        <p:txBody>
-          <a:bodyPr rtlCol="0" anchor="ctr"/>
-          <a:lstStyle/>
-          <a:p>
-            <a:pPr algn="ctr"/>
-            <a:endParaRPr lang="en-US"/>
-          </a:p>
-        </p:txBody>
-      </p:sp>
     </p:spTree>
     <p:extLst>
       <p:ext uri="{BB962C8B-B14F-4D97-AF65-F5344CB8AC3E}">
-        <p14:creationId xmlns:p14="http://schemas.microsoft.com/office/powerpoint/2010/main" val="3845251231"/>
+        <p14:creationId xmlns:p14="http://schemas.microsoft.com/office/powerpoint/2010/main" val="4079478055"/>
       </p:ext>
     </p:extLst>
   </p:cSld>
@@ -11592,7 +12428,7 @@
           <a:p>
             <a:fld id="{44EB54D8-FB95-4977-A6B0-357A988F9391}" type="datetime1">
               <a:rPr lang="en-US" smtClean="0"/>
-              <a:t>7/24/2023</a:t>
+              <a:t>8/13/2024</a:t>
             </a:fld>
             <a:endParaRPr lang="en-US"/>
           </a:p>
@@ -11721,7 +12557,7 @@
         <p:spPr>
           <a:xfrm>
             <a:off x="737937" y="1380178"/>
-            <a:ext cx="10988842" cy="1614034"/>
+            <a:ext cx="10988842" cy="687517"/>
           </a:xfrm>
           <a:prstGeom prst="rect">
             <a:avLst/>
@@ -11776,8 +12612,8 @@
         </p:nvSpPr>
         <p:spPr>
           <a:xfrm>
-            <a:off x="465221" y="3729782"/>
-            <a:ext cx="10659979" cy="2382254"/>
+            <a:off x="465221" y="2875010"/>
+            <a:ext cx="10659979" cy="3237026"/>
           </a:xfrm>
           <a:prstGeom prst="rect">
             <a:avLst/>
@@ -11819,7 +12655,7 @@
     </p:spTree>
     <p:extLst>
       <p:ext uri="{BB962C8B-B14F-4D97-AF65-F5344CB8AC3E}">
-        <p14:creationId xmlns:p14="http://schemas.microsoft.com/office/powerpoint/2010/main" val="3117102106"/>
+        <p14:creationId xmlns:p14="http://schemas.microsoft.com/office/powerpoint/2010/main" val="3845251231"/>
       </p:ext>
     </p:extLst>
   </p:cSld>
@@ -12066,7 +12902,7 @@
           <a:p>
             <a:fld id="{44EB54D8-FB95-4977-A6B0-357A988F9391}" type="datetime1">
               <a:rPr lang="en-US" smtClean="0"/>
-              <a:t>7/24/2023</a:t>
+              <a:t>8/13/2024</a:t>
             </a:fld>
             <a:endParaRPr lang="en-US"/>
           </a:p>
@@ -12194,8 +13030,8 @@
         </p:nvSpPr>
         <p:spPr>
           <a:xfrm>
-            <a:off x="737937" y="1380177"/>
-            <a:ext cx="10988842" cy="2349605"/>
+            <a:off x="737937" y="1380178"/>
+            <a:ext cx="10988842" cy="1614034"/>
           </a:xfrm>
           <a:prstGeom prst="rect">
             <a:avLst/>
@@ -12250,8 +13086,8 @@
         </p:nvSpPr>
         <p:spPr>
           <a:xfrm>
-            <a:off x="465221" y="4948986"/>
-            <a:ext cx="10659979" cy="1163050"/>
+            <a:off x="465221" y="3729782"/>
+            <a:ext cx="10659979" cy="2382254"/>
           </a:xfrm>
           <a:prstGeom prst="rect">
             <a:avLst/>
@@ -12293,7 +13129,7 @@
     </p:spTree>
     <p:extLst>
       <p:ext uri="{BB962C8B-B14F-4D97-AF65-F5344CB8AC3E}">
-        <p14:creationId xmlns:p14="http://schemas.microsoft.com/office/powerpoint/2010/main" val="145080337"/>
+        <p14:creationId xmlns:p14="http://schemas.microsoft.com/office/powerpoint/2010/main" val="3117102106"/>
       </p:ext>
     </p:extLst>
   </p:cSld>
@@ -12540,7 +13376,7 @@
           <a:p>
             <a:fld id="{44EB54D8-FB95-4977-A6B0-357A988F9391}" type="datetime1">
               <a:rPr lang="en-US" smtClean="0"/>
-              <a:t>7/24/2023</a:t>
+              <a:t>8/13/2024</a:t>
             </a:fld>
             <a:endParaRPr lang="en-US"/>
           </a:p>
@@ -12668,8 +13504,8 @@
         </p:nvSpPr>
         <p:spPr>
           <a:xfrm>
-            <a:off x="737937" y="1380178"/>
-            <a:ext cx="10988842" cy="3568808"/>
+            <a:off x="737937" y="1380177"/>
+            <a:ext cx="10988842" cy="2349605"/>
           </a:xfrm>
           <a:prstGeom prst="rect">
             <a:avLst/>
@@ -12710,10 +13546,64 @@
           </a:p>
         </p:txBody>
       </p:sp>
+      <p:sp>
+        <p:nvSpPr>
+          <p:cNvPr id="6" name="Rectangle 5">
+            <a:extLst>
+              <a:ext uri="{FF2B5EF4-FFF2-40B4-BE49-F238E27FC236}">
+                <a16:creationId xmlns:a16="http://schemas.microsoft.com/office/drawing/2014/main" id="{12F04B07-0492-A288-7EE5-963002A75A67}"/>
+              </a:ext>
+            </a:extLst>
+          </p:cNvPr>
+          <p:cNvSpPr/>
+          <p:nvPr/>
+        </p:nvSpPr>
+        <p:spPr>
+          <a:xfrm>
+            <a:off x="465221" y="4948986"/>
+            <a:ext cx="10659979" cy="1163050"/>
+          </a:xfrm>
+          <a:prstGeom prst="rect">
+            <a:avLst/>
+          </a:prstGeom>
+          <a:solidFill>
+            <a:srgbClr val="FFFFFF"/>
+          </a:solidFill>
+          <a:ln>
+            <a:solidFill>
+              <a:schemeClr val="bg1"/>
+            </a:solidFill>
+          </a:ln>
+        </p:spPr>
+        <p:style>
+          <a:lnRef idx="2">
+            <a:schemeClr val="accent1">
+              <a:shade val="15000"/>
+            </a:schemeClr>
+          </a:lnRef>
+          <a:fillRef idx="1">
+            <a:schemeClr val="accent1"/>
+          </a:fillRef>
+          <a:effectRef idx="0">
+            <a:schemeClr val="accent1"/>
+          </a:effectRef>
+          <a:fontRef idx="minor">
+            <a:schemeClr val="lt1"/>
+          </a:fontRef>
+        </p:style>
+        <p:txBody>
+          <a:bodyPr rtlCol="0" anchor="ctr"/>
+          <a:lstStyle/>
+          <a:p>
+            <a:pPr algn="ctr"/>
+            <a:endParaRPr lang="en-US"/>
+          </a:p>
+        </p:txBody>
+      </p:sp>
     </p:spTree>
     <p:extLst>
       <p:ext uri="{BB962C8B-B14F-4D97-AF65-F5344CB8AC3E}">
-        <p14:creationId xmlns:p14="http://schemas.microsoft.com/office/powerpoint/2010/main" val="3046623024"/>
+        <p14:creationId xmlns:p14="http://schemas.microsoft.com/office/powerpoint/2010/main" val="145080337"/>
       </p:ext>
     </p:extLst>
   </p:cSld>
@@ -12767,7 +13657,7 @@
               <a:rPr lang="en-US" dirty="0">
                 <a:latin typeface="+mn-lt"/>
               </a:rPr>
-              <a:t>Schedule</a:t>
+              <a:t>Program Goals</a:t>
             </a:r>
           </a:p>
         </p:txBody>
@@ -12960,7 +13850,7 @@
           <a:p>
             <a:fld id="{44EB54D8-FB95-4977-A6B0-357A988F9391}" type="datetime1">
               <a:rPr lang="en-US" smtClean="0"/>
-              <a:t>7/24/2023</a:t>
+              <a:t>8/13/2024</a:t>
             </a:fld>
             <a:endParaRPr lang="en-US"/>
           </a:p>
@@ -13020,123 +13910,120 @@
           </a:p>
         </p:txBody>
       </p:sp>
-      <p:pic>
-        <p:nvPicPr>
-          <p:cNvPr id="6" name="Picture 5">
-            <a:extLst>
-              <a:ext uri="{FF2B5EF4-FFF2-40B4-BE49-F238E27FC236}">
-                <a16:creationId xmlns:a16="http://schemas.microsoft.com/office/drawing/2014/main" id="{D5A59847-1C88-2707-6C4B-1A0AE943D69A}"/>
-              </a:ext>
-            </a:extLst>
-          </p:cNvPr>
-          <p:cNvPicPr>
-            <a:picLocks noChangeAspect="1"/>
-          </p:cNvPicPr>
+      <p:sp>
+        <p:nvSpPr>
+          <p:cNvPr id="15" name="Content Placeholder 14">
+            <a:extLst>
+              <a:ext uri="{FF2B5EF4-FFF2-40B4-BE49-F238E27FC236}">
+                <a16:creationId xmlns:a16="http://schemas.microsoft.com/office/drawing/2014/main" id="{8D45C392-37EE-201A-DD34-F5DFE567C0E1}"/>
+              </a:ext>
+            </a:extLst>
+          </p:cNvPr>
+          <p:cNvSpPr>
+            <a:spLocks noGrp="1"/>
+          </p:cNvSpPr>
+          <p:nvPr>
+            <p:ph idx="1"/>
+          </p:nvPr>
+        </p:nvSpPr>
+        <p:spPr/>
+        <p:txBody>
+          <a:bodyPr>
+            <a:normAutofit lnSpcReduction="10000"/>
+          </a:bodyPr>
+          <a:lstStyle/>
+          <a:p>
+            <a:r>
+              <a:rPr lang="en-US" dirty="0"/>
+              <a:t>Learn about the complexity of climate, hydrology, and their interactions with the human environment.</a:t>
+            </a:r>
+          </a:p>
+          <a:p>
+            <a:r>
+              <a:rPr lang="en-US" dirty="0"/>
+              <a:t>Learn about the role of water resource engineers, data science, and environmental modeling in the environmental management.</a:t>
+            </a:r>
+          </a:p>
+          <a:p>
+            <a:r>
+              <a:rPr lang="en-US" dirty="0"/>
+              <a:t>Become comfortable with basic coding practices and concepts; be able to interpret, run, and write beginner-level Python code.</a:t>
+            </a:r>
+          </a:p>
+          <a:p>
+            <a:r>
+              <a:rPr lang="en-US" dirty="0"/>
+              <a:t>Gain familiarity with probability and statistics concepts, how they can be used in environmental studies, and how to use code to measure them.</a:t>
+            </a:r>
+          </a:p>
+          <a:p>
+            <a:r>
+              <a:rPr lang="en-US" dirty="0"/>
+              <a:t>Complete a case study for a student-chosen location of interest, focused on the unique interactions between the hydrology and the human system.</a:t>
+            </a:r>
+          </a:p>
+        </p:txBody>
+      </p:sp>
+      <p:sp>
+        <p:nvSpPr>
+          <p:cNvPr id="3" name="Rectangle 2">
+            <a:extLst>
+              <a:ext uri="{FF2B5EF4-FFF2-40B4-BE49-F238E27FC236}">
+                <a16:creationId xmlns:a16="http://schemas.microsoft.com/office/drawing/2014/main" id="{CCACDE1B-00EE-53FA-285A-51303CBF7327}"/>
+              </a:ext>
+            </a:extLst>
+          </p:cNvPr>
+          <p:cNvSpPr/>
           <p:nvPr/>
-        </p:nvPicPr>
-        <p:blipFill>
-          <a:blip r:embed="rId2"/>
-          <a:stretch>
-            <a:fillRect/>
-          </a:stretch>
-        </p:blipFill>
+        </p:nvSpPr>
         <p:spPr>
           <a:xfrm>
-            <a:off x="5841654" y="1165747"/>
-            <a:ext cx="5367883" cy="4440652"/>
+            <a:off x="737937" y="1380178"/>
+            <a:ext cx="10988842" cy="3568808"/>
           </a:xfrm>
           <a:prstGeom prst="rect">
             <a:avLst/>
           </a:prstGeom>
-        </p:spPr>
-      </p:pic>
-      <p:sp>
-        <p:nvSpPr>
-          <p:cNvPr id="8" name="TextBox 7">
-            <a:extLst>
-              <a:ext uri="{FF2B5EF4-FFF2-40B4-BE49-F238E27FC236}">
-                <a16:creationId xmlns:a16="http://schemas.microsoft.com/office/drawing/2014/main" id="{D030EF51-72C2-D9A1-1D88-318994C0A959}"/>
-              </a:ext>
-            </a:extLst>
-          </p:cNvPr>
-          <p:cNvSpPr txBox="1"/>
-          <p:nvPr/>
-        </p:nvSpPr>
-        <p:spPr>
-          <a:xfrm>
-            <a:off x="711869" y="1720840"/>
-            <a:ext cx="4764505" cy="3416320"/>
-          </a:xfrm>
-          <a:prstGeom prst="rect">
-            <a:avLst/>
-          </a:prstGeom>
-          <a:noFill/>
-        </p:spPr>
-        <p:txBody>
-          <a:bodyPr wrap="square" rtlCol="0">
-            <a:spAutoFit/>
-          </a:bodyPr>
-          <a:lstStyle/>
-          <a:p>
-            <a:pPr marL="342900" indent="-342900">
-              <a:buAutoNum type="arabicPeriod"/>
-            </a:pPr>
-            <a:r>
-              <a:rPr lang="en-US" sz="2400" dirty="0"/>
-              <a:t>Overview, wicked problems, and choosing a case study location.</a:t>
-            </a:r>
-          </a:p>
-          <a:p>
-            <a:pPr marL="342900" indent="-342900">
-              <a:buAutoNum type="arabicPeriod"/>
-            </a:pPr>
-            <a:r>
-              <a:rPr lang="en-US" sz="2400" dirty="0"/>
-              <a:t>Water resource infrastructure planning</a:t>
-            </a:r>
-          </a:p>
-          <a:p>
-            <a:pPr marL="342900" indent="-342900">
-              <a:buAutoNum type="arabicPeriod"/>
-            </a:pPr>
-            <a:r>
-              <a:rPr lang="en-US" sz="2400" dirty="0"/>
-              <a:t>Probability and stats</a:t>
-            </a:r>
-          </a:p>
-          <a:p>
-            <a:pPr marL="342900" indent="-342900">
-              <a:buAutoNum type="arabicPeriod"/>
-            </a:pPr>
-            <a:r>
-              <a:rPr lang="en-US" sz="2400" dirty="0"/>
-              <a:t>Modeling basics</a:t>
-            </a:r>
-          </a:p>
-          <a:p>
-            <a:pPr marL="342900" indent="-342900">
-              <a:buAutoNum type="arabicPeriod"/>
-            </a:pPr>
-            <a:r>
-              <a:rPr lang="en-US" sz="2400" dirty="0"/>
-              <a:t>Future of water resource planning</a:t>
-            </a:r>
-          </a:p>
-          <a:p>
-            <a:pPr marL="342900" indent="-342900">
-              <a:buAutoNum type="arabicPeriod"/>
-            </a:pPr>
-            <a:r>
-              <a:rPr lang="en-US" sz="2400" dirty="0"/>
-              <a:t>Presentations and completing activities</a:t>
-            </a:r>
+          <a:solidFill>
+            <a:srgbClr val="FFFFFF">
+              <a:alpha val="80000"/>
+            </a:srgbClr>
+          </a:solidFill>
+          <a:ln>
+            <a:solidFill>
+              <a:schemeClr val="bg1"/>
+            </a:solidFill>
+          </a:ln>
+        </p:spPr>
+        <p:style>
+          <a:lnRef idx="2">
+            <a:schemeClr val="accent1">
+              <a:shade val="15000"/>
+            </a:schemeClr>
+          </a:lnRef>
+          <a:fillRef idx="1">
+            <a:schemeClr val="accent1"/>
+          </a:fillRef>
+          <a:effectRef idx="0">
+            <a:schemeClr val="accent1"/>
+          </a:effectRef>
+          <a:fontRef idx="minor">
+            <a:schemeClr val="lt1"/>
+          </a:fontRef>
+        </p:style>
+        <p:txBody>
+          <a:bodyPr rtlCol="0" anchor="ctr"/>
+          <a:lstStyle/>
+          <a:p>
+            <a:pPr algn="ctr"/>
+            <a:endParaRPr lang="en-US"/>
           </a:p>
         </p:txBody>
       </p:sp>
     </p:spTree>
     <p:extLst>
       <p:ext uri="{BB962C8B-B14F-4D97-AF65-F5344CB8AC3E}">
-        <p14:creationId xmlns:p14="http://schemas.microsoft.com/office/powerpoint/2010/main" val="2267578831"/>
+        <p14:creationId xmlns:p14="http://schemas.microsoft.com/office/powerpoint/2010/main" val="3046623024"/>
       </p:ext>
     </p:extLst>
   </p:cSld>
